--- a/Presentation/Why do Programmers Do What They Do_.pptx
+++ b/Presentation/Why do Programmers Do What They Do_.pptx
@@ -1,71 +1,56 @@
 
 <file path=ppt/presentation.xml><?xml version="1.0" encoding="utf-8"?>
-<p:presentation xmlns:a="http://schemas.openxmlformats.org/drawingml/2006/main" xmlns:r="http://schemas.openxmlformats.org/officeDocument/2006/relationships" xmlns:p="http://schemas.openxmlformats.org/presentationml/2006/main" saveSubsetFonts="1" embedTrueTypeFonts="true">
+<p:presentation xmlns:a="http://schemas.openxmlformats.org/drawingml/2006/main" xmlns:r="http://schemas.openxmlformats.org/officeDocument/2006/relationships" xmlns:p="http://schemas.openxmlformats.org/presentationml/2006/main" embedTrueTypeFonts="1" saveSubsetFonts="1">
   <p:sldMasterIdLst>
     <p:sldMasterId id="2147483648" r:id="rId1"/>
   </p:sldMasterIdLst>
   <p:sldIdLst>
-    <p:sldId id="256" r:id="rId16"/>
-    <p:sldId id="257" r:id="rId17"/>
-    <p:sldId id="258" r:id="rId18"/>
-    <p:sldId id="259" r:id="rId19"/>
-    <p:sldId id="260" r:id="rId20"/>
-    <p:sldId id="261" r:id="rId21"/>
-    <p:sldId id="262" r:id="rId22"/>
-    <p:sldId id="263" r:id="rId23"/>
-    <p:sldId id="264" r:id="rId24"/>
-    <p:sldId id="265" r:id="rId25"/>
-    <p:sldId id="266" r:id="rId26"/>
-    <p:sldId id="267" r:id="rId27"/>
-    <p:sldId id="268" r:id="rId28"/>
-    <p:sldId id="269" r:id="rId29"/>
-    <p:sldId id="270" r:id="rId30"/>
-    <p:sldId id="271" r:id="rId31"/>
-    <p:sldId id="272" r:id="rId32"/>
-    <p:sldId id="273" r:id="rId33"/>
+    <p:sldId id="256" r:id="rId2"/>
+    <p:sldId id="257" r:id="rId3"/>
+    <p:sldId id="258" r:id="rId4"/>
+    <p:sldId id="259" r:id="rId5"/>
+    <p:sldId id="260" r:id="rId6"/>
+    <p:sldId id="261" r:id="rId7"/>
+    <p:sldId id="262" r:id="rId8"/>
+    <p:sldId id="263" r:id="rId9"/>
+    <p:sldId id="264" r:id="rId10"/>
+    <p:sldId id="265" r:id="rId11"/>
+    <p:sldId id="266" r:id="rId12"/>
+    <p:sldId id="267" r:id="rId13"/>
+    <p:sldId id="268" r:id="rId14"/>
+    <p:sldId id="269" r:id="rId15"/>
+    <p:sldId id="270" r:id="rId16"/>
+    <p:sldId id="271" r:id="rId17"/>
+    <p:sldId id="272" r:id="rId18"/>
+    <p:sldId id="273" r:id="rId19"/>
   </p:sldIdLst>
   <p:sldSz cx="18288000" cy="10287000"/>
   <p:notesSz cx="6858000" cy="9144000"/>
   <p:embeddedFontLst>
     <p:embeddedFont>
-      <p:font typeface="Arimo" charset="1" panose="020B0604020202020204"/>
-      <p:regular r:id="rId6"/>
+      <p:font typeface="Calibri" panose="020F0502020204030204" pitchFamily="34" charset="0"/>
+      <p:regular r:id="rId20"/>
+      <p:bold r:id="rId21"/>
+      <p:italic r:id="rId22"/>
+      <p:boldItalic r:id="rId23"/>
     </p:embeddedFont>
     <p:embeddedFont>
-      <p:font typeface="Arimo Bold" charset="1" panose="020B0704020202020204"/>
-      <p:regular r:id="rId7"/>
+      <p:font typeface="Quicksand" pitchFamily="2" charset="77"/>
+      <p:regular r:id="rId24"/>
     </p:embeddedFont>
     <p:embeddedFont>
-      <p:font typeface="Arimo Italics" charset="1" panose="020B0604020202090204"/>
-      <p:regular r:id="rId8"/>
+      <p:font typeface="Telegraf" pitchFamily="2" charset="77"/>
+      <p:regular r:id="rId25"/>
     </p:embeddedFont>
     <p:embeddedFont>
-      <p:font typeface="Arimo Bold Italics" charset="1" panose="020B0704020202090204"/>
-      <p:regular r:id="rId9"/>
+      <p:font typeface="Telegraf Bold" pitchFamily="2" charset="77"/>
+      <p:regular r:id="rId26"/>
+      <p:bold r:id="rId27"/>
     </p:embeddedFont>
     <p:embeddedFont>
-      <p:font typeface="Telegraf" charset="1" panose="00000500000000000000"/>
-      <p:regular r:id="rId10"/>
-    </p:embeddedFont>
-    <p:embeddedFont>
-      <p:font typeface="Telegraf Bold" charset="1" panose="00000800000000000000"/>
-      <p:regular r:id="rId11"/>
-    </p:embeddedFont>
-    <p:embeddedFont>
-      <p:font typeface="Telegraf Bold" charset="1" panose="00000800000000000000"/>
-      <p:regular r:id="rId12"/>
-    </p:embeddedFont>
-    <p:embeddedFont>
-      <p:font typeface="Telegraf Bold Bold" charset="1" panose="00000A00000000000000"/>
-      <p:regular r:id="rId13"/>
-    </p:embeddedFont>
-    <p:embeddedFont>
-      <p:font typeface="Quicksand" charset="1" panose="00000600000000000000"/>
-      <p:regular r:id="rId14"/>
-    </p:embeddedFont>
-    <p:embeddedFont>
-      <p:font typeface="Quicksand Bold" charset="1" panose="00000800000000000000"/>
-      <p:regular r:id="rId15"/>
+      <p:font typeface="Telegraf Bold Bold" pitchFamily="2" charset="77"/>
+      <p:regular r:id="rId28"/>
+      <p:bold r:id="rId29"/>
     </p:embeddedFont>
   </p:embeddedFontLst>
   <p:defaultTextStyle>
@@ -163,6 +148,22 @@
       </a:defRPr>
     </a:lvl9pPr>
   </p:defaultTextStyle>
+  <p:extLst>
+    <p:ext uri="{EFAFB233-063F-42B5-8137-9DF3F51BA10A}">
+      <p15:sldGuideLst xmlns:p15="http://schemas.microsoft.com/office/powerpoint/2012/main">
+        <p15:guide id="1" orient="horz" pos="2160">
+          <p15:clr>
+            <a:srgbClr val="A4A3A4"/>
+          </p15:clr>
+        </p15:guide>
+        <p15:guide id="2" pos="2880">
+          <p15:clr>
+            <a:srgbClr val="A4A3A4"/>
+          </p15:clr>
+        </p15:guide>
+      </p15:sldGuideLst>
+    </p:ext>
+  </p:extLst>
 </p:presentation>
 </file>
 
@@ -204,10 +205,9 @@
           <a:lstStyle/>
           <a:p>
             <a:r>
-              <a:rPr lang="en-US" smtClean="0"/>
+              <a:rPr lang="en-US"/>
               <a:t>Click to edit Master title style</a:t>
             </a:r>
-            <a:endParaRPr lang="en-US"/>
           </a:p>
         </p:txBody>
       </p:sp>
@@ -323,10 +323,9 @@
           </a:lstStyle>
           <a:p>
             <a:r>
-              <a:rPr lang="en-US" smtClean="0"/>
+              <a:rPr lang="en-US"/>
               <a:t>Click to edit Master subtitle style</a:t>
             </a:r>
-            <a:endParaRPr lang="en-US"/>
           </a:p>
         </p:txBody>
       </p:sp>
@@ -348,7 +347,7 @@
             <a:fld id="{1D8BD707-D9CF-40AE-B4C6-C98DA3205C09}" type="datetimeFigureOut">
               <a:rPr lang="en-US" smtClean="0"/>
               <a:pPr/>
-              <a:t>8/1/2011</a:t>
+              <a:t>10/22/20</a:t>
             </a:fld>
             <a:endParaRPr lang="en-US"/>
           </a:p>
@@ -438,10 +437,9 @@
           <a:lstStyle/>
           <a:p>
             <a:r>
-              <a:rPr lang="en-US" smtClean="0"/>
+              <a:rPr lang="en-US"/>
               <a:t>Click to edit Master title style</a:t>
             </a:r>
-            <a:endParaRPr lang="en-US"/>
           </a:p>
         </p:txBody>
       </p:sp>
@@ -462,38 +460,37 @@
           <a:p>
             <a:pPr lvl="0"/>
             <a:r>
-              <a:rPr lang="en-US" smtClean="0"/>
+              <a:rPr lang="en-US"/>
               <a:t>Click to edit Master text styles</a:t>
             </a:r>
           </a:p>
           <a:p>
             <a:pPr lvl="1"/>
             <a:r>
-              <a:rPr lang="en-US" smtClean="0"/>
+              <a:rPr lang="en-US"/>
               <a:t>Second level</a:t>
             </a:r>
           </a:p>
           <a:p>
             <a:pPr lvl="2"/>
             <a:r>
-              <a:rPr lang="en-US" smtClean="0"/>
+              <a:rPr lang="en-US"/>
               <a:t>Third level</a:t>
             </a:r>
           </a:p>
           <a:p>
             <a:pPr lvl="3"/>
             <a:r>
-              <a:rPr lang="en-US" smtClean="0"/>
+              <a:rPr lang="en-US"/>
               <a:t>Fourth level</a:t>
             </a:r>
           </a:p>
           <a:p>
             <a:pPr lvl="4"/>
             <a:r>
-              <a:rPr lang="en-US" smtClean="0"/>
+              <a:rPr lang="en-US"/>
               <a:t>Fifth level</a:t>
             </a:r>
-            <a:endParaRPr lang="en-US"/>
           </a:p>
         </p:txBody>
       </p:sp>
@@ -515,7 +512,7 @@
             <a:fld id="{1D8BD707-D9CF-40AE-B4C6-C98DA3205C09}" type="datetimeFigureOut">
               <a:rPr lang="en-US" smtClean="0"/>
               <a:pPr/>
-              <a:t>8/1/2011</a:t>
+              <a:t>10/22/20</a:t>
             </a:fld>
             <a:endParaRPr lang="en-US"/>
           </a:p>
@@ -610,10 +607,9 @@
           <a:lstStyle/>
           <a:p>
             <a:r>
-              <a:rPr lang="en-US" smtClean="0"/>
+              <a:rPr lang="en-US"/>
               <a:t>Click to edit Master title style</a:t>
             </a:r>
-            <a:endParaRPr lang="en-US"/>
           </a:p>
         </p:txBody>
       </p:sp>
@@ -639,38 +635,37 @@
           <a:p>
             <a:pPr lvl="0"/>
             <a:r>
-              <a:rPr lang="en-US" smtClean="0"/>
+              <a:rPr lang="en-US"/>
               <a:t>Click to edit Master text styles</a:t>
             </a:r>
           </a:p>
           <a:p>
             <a:pPr lvl="1"/>
             <a:r>
-              <a:rPr lang="en-US" smtClean="0"/>
+              <a:rPr lang="en-US"/>
               <a:t>Second level</a:t>
             </a:r>
           </a:p>
           <a:p>
             <a:pPr lvl="2"/>
             <a:r>
-              <a:rPr lang="en-US" smtClean="0"/>
+              <a:rPr lang="en-US"/>
               <a:t>Third level</a:t>
             </a:r>
           </a:p>
           <a:p>
             <a:pPr lvl="3"/>
             <a:r>
-              <a:rPr lang="en-US" smtClean="0"/>
+              <a:rPr lang="en-US"/>
               <a:t>Fourth level</a:t>
             </a:r>
           </a:p>
           <a:p>
             <a:pPr lvl="4"/>
             <a:r>
-              <a:rPr lang="en-US" smtClean="0"/>
+              <a:rPr lang="en-US"/>
               <a:t>Fifth level</a:t>
             </a:r>
-            <a:endParaRPr lang="en-US"/>
           </a:p>
         </p:txBody>
       </p:sp>
@@ -692,7 +687,7 @@
             <a:fld id="{1D8BD707-D9CF-40AE-B4C6-C98DA3205C09}" type="datetimeFigureOut">
               <a:rPr lang="en-US" smtClean="0"/>
               <a:pPr/>
-              <a:t>8/1/2011</a:t>
+              <a:t>10/22/20</a:t>
             </a:fld>
             <a:endParaRPr lang="en-US"/>
           </a:p>
@@ -782,10 +777,9 @@
           <a:lstStyle/>
           <a:p>
             <a:r>
-              <a:rPr lang="en-US" smtClean="0"/>
+              <a:rPr lang="en-US"/>
               <a:t>Click to edit Master title style</a:t>
             </a:r>
-            <a:endParaRPr lang="en-US"/>
           </a:p>
         </p:txBody>
       </p:sp>
@@ -806,38 +800,37 @@
           <a:p>
             <a:pPr lvl="0"/>
             <a:r>
-              <a:rPr lang="en-US" smtClean="0"/>
+              <a:rPr lang="en-US"/>
               <a:t>Click to edit Master text styles</a:t>
             </a:r>
           </a:p>
           <a:p>
             <a:pPr lvl="1"/>
             <a:r>
-              <a:rPr lang="en-US" smtClean="0"/>
+              <a:rPr lang="en-US"/>
               <a:t>Second level</a:t>
             </a:r>
           </a:p>
           <a:p>
             <a:pPr lvl="2"/>
             <a:r>
-              <a:rPr lang="en-US" smtClean="0"/>
+              <a:rPr lang="en-US"/>
               <a:t>Third level</a:t>
             </a:r>
           </a:p>
           <a:p>
             <a:pPr lvl="3"/>
             <a:r>
-              <a:rPr lang="en-US" smtClean="0"/>
+              <a:rPr lang="en-US"/>
               <a:t>Fourth level</a:t>
             </a:r>
           </a:p>
           <a:p>
             <a:pPr lvl="4"/>
             <a:r>
-              <a:rPr lang="en-US" smtClean="0"/>
+              <a:rPr lang="en-US"/>
               <a:t>Fifth level</a:t>
             </a:r>
-            <a:endParaRPr lang="en-US"/>
           </a:p>
         </p:txBody>
       </p:sp>
@@ -859,7 +852,7 @@
             <a:fld id="{1D8BD707-D9CF-40AE-B4C6-C98DA3205C09}" type="datetimeFigureOut">
               <a:rPr lang="en-US" smtClean="0"/>
               <a:pPr/>
-              <a:t>8/1/2011</a:t>
+              <a:t>10/22/20</a:t>
             </a:fld>
             <a:endParaRPr lang="en-US"/>
           </a:p>
@@ -958,10 +951,9 @@
           </a:lstStyle>
           <a:p>
             <a:r>
-              <a:rPr lang="en-US" smtClean="0"/>
+              <a:rPr lang="en-US"/>
               <a:t>Click to edit Master title style</a:t>
             </a:r>
-            <a:endParaRPr lang="en-US"/>
           </a:p>
         </p:txBody>
       </p:sp>
@@ -1078,7 +1070,7 @@
           <a:p>
             <a:pPr lvl="0"/>
             <a:r>
-              <a:rPr lang="en-US" smtClean="0"/>
+              <a:rPr lang="en-US"/>
               <a:t>Click to edit Master text styles</a:t>
             </a:r>
           </a:p>
@@ -1102,7 +1094,7 @@
             <a:fld id="{1D8BD707-D9CF-40AE-B4C6-C98DA3205C09}" type="datetimeFigureOut">
               <a:rPr lang="en-US" smtClean="0"/>
               <a:pPr/>
-              <a:t>8/1/2011</a:t>
+              <a:t>10/22/20</a:t>
             </a:fld>
             <a:endParaRPr lang="en-US"/>
           </a:p>
@@ -1192,10 +1184,9 @@
           <a:lstStyle/>
           <a:p>
             <a:r>
-              <a:rPr lang="en-US" smtClean="0"/>
+              <a:rPr lang="en-US"/>
               <a:t>Click to edit Master title style</a:t>
             </a:r>
-            <a:endParaRPr lang="en-US"/>
           </a:p>
         </p:txBody>
       </p:sp>
@@ -1249,38 +1240,37 @@
           <a:p>
             <a:pPr lvl="0"/>
             <a:r>
-              <a:rPr lang="en-US" smtClean="0"/>
+              <a:rPr lang="en-US"/>
               <a:t>Click to edit Master text styles</a:t>
             </a:r>
           </a:p>
           <a:p>
             <a:pPr lvl="1"/>
             <a:r>
-              <a:rPr lang="en-US" smtClean="0"/>
+              <a:rPr lang="en-US"/>
               <a:t>Second level</a:t>
             </a:r>
           </a:p>
           <a:p>
             <a:pPr lvl="2"/>
             <a:r>
-              <a:rPr lang="en-US" smtClean="0"/>
+              <a:rPr lang="en-US"/>
               <a:t>Third level</a:t>
             </a:r>
           </a:p>
           <a:p>
             <a:pPr lvl="3"/>
             <a:r>
-              <a:rPr lang="en-US" smtClean="0"/>
+              <a:rPr lang="en-US"/>
               <a:t>Fourth level</a:t>
             </a:r>
           </a:p>
           <a:p>
             <a:pPr lvl="4"/>
             <a:r>
-              <a:rPr lang="en-US" smtClean="0"/>
+              <a:rPr lang="en-US"/>
               <a:t>Fifth level</a:t>
             </a:r>
-            <a:endParaRPr lang="en-US"/>
           </a:p>
         </p:txBody>
       </p:sp>
@@ -1334,38 +1324,37 @@
           <a:p>
             <a:pPr lvl="0"/>
             <a:r>
-              <a:rPr lang="en-US" smtClean="0"/>
+              <a:rPr lang="en-US"/>
               <a:t>Click to edit Master text styles</a:t>
             </a:r>
           </a:p>
           <a:p>
             <a:pPr lvl="1"/>
             <a:r>
-              <a:rPr lang="en-US" smtClean="0"/>
+              <a:rPr lang="en-US"/>
               <a:t>Second level</a:t>
             </a:r>
           </a:p>
           <a:p>
             <a:pPr lvl="2"/>
             <a:r>
-              <a:rPr lang="en-US" smtClean="0"/>
+              <a:rPr lang="en-US"/>
               <a:t>Third level</a:t>
             </a:r>
           </a:p>
           <a:p>
             <a:pPr lvl="3"/>
             <a:r>
-              <a:rPr lang="en-US" smtClean="0"/>
+              <a:rPr lang="en-US"/>
               <a:t>Fourth level</a:t>
             </a:r>
           </a:p>
           <a:p>
             <a:pPr lvl="4"/>
             <a:r>
-              <a:rPr lang="en-US" smtClean="0"/>
+              <a:rPr lang="en-US"/>
               <a:t>Fifth level</a:t>
             </a:r>
-            <a:endParaRPr lang="en-US"/>
           </a:p>
         </p:txBody>
       </p:sp>
@@ -1387,7 +1376,7 @@
             <a:fld id="{1D8BD707-D9CF-40AE-B4C6-C98DA3205C09}" type="datetimeFigureOut">
               <a:rPr lang="en-US" smtClean="0"/>
               <a:pPr/>
-              <a:t>8/1/2011</a:t>
+              <a:t>10/22/20</a:t>
             </a:fld>
             <a:endParaRPr lang="en-US"/>
           </a:p>
@@ -1481,10 +1470,9 @@
           </a:lstStyle>
           <a:p>
             <a:r>
-              <a:rPr lang="en-US" smtClean="0"/>
+              <a:rPr lang="en-US"/>
               <a:t>Click to edit Master title style</a:t>
             </a:r>
-            <a:endParaRPr lang="en-US"/>
           </a:p>
         </p:txBody>
       </p:sp>
@@ -1547,7 +1535,7 @@
           <a:p>
             <a:pPr lvl="0"/>
             <a:r>
-              <a:rPr lang="en-US" smtClean="0"/>
+              <a:rPr lang="en-US"/>
               <a:t>Click to edit Master text styles</a:t>
             </a:r>
           </a:p>
@@ -1603,38 +1591,37 @@
           <a:p>
             <a:pPr lvl="0"/>
             <a:r>
-              <a:rPr lang="en-US" smtClean="0"/>
+              <a:rPr lang="en-US"/>
               <a:t>Click to edit Master text styles</a:t>
             </a:r>
           </a:p>
           <a:p>
             <a:pPr lvl="1"/>
             <a:r>
-              <a:rPr lang="en-US" smtClean="0"/>
+              <a:rPr lang="en-US"/>
               <a:t>Second level</a:t>
             </a:r>
           </a:p>
           <a:p>
             <a:pPr lvl="2"/>
             <a:r>
-              <a:rPr lang="en-US" smtClean="0"/>
+              <a:rPr lang="en-US"/>
               <a:t>Third level</a:t>
             </a:r>
           </a:p>
           <a:p>
             <a:pPr lvl="3"/>
             <a:r>
-              <a:rPr lang="en-US" smtClean="0"/>
+              <a:rPr lang="en-US"/>
               <a:t>Fourth level</a:t>
             </a:r>
           </a:p>
           <a:p>
             <a:pPr lvl="4"/>
             <a:r>
-              <a:rPr lang="en-US" smtClean="0"/>
+              <a:rPr lang="en-US"/>
               <a:t>Fifth level</a:t>
             </a:r>
-            <a:endParaRPr lang="en-US"/>
           </a:p>
         </p:txBody>
       </p:sp>
@@ -1697,7 +1684,7 @@
           <a:p>
             <a:pPr lvl="0"/>
             <a:r>
-              <a:rPr lang="en-US" smtClean="0"/>
+              <a:rPr lang="en-US"/>
               <a:t>Click to edit Master text styles</a:t>
             </a:r>
           </a:p>
@@ -1753,38 +1740,37 @@
           <a:p>
             <a:pPr lvl="0"/>
             <a:r>
-              <a:rPr lang="en-US" smtClean="0"/>
+              <a:rPr lang="en-US"/>
               <a:t>Click to edit Master text styles</a:t>
             </a:r>
           </a:p>
           <a:p>
             <a:pPr lvl="1"/>
             <a:r>
-              <a:rPr lang="en-US" smtClean="0"/>
+              <a:rPr lang="en-US"/>
               <a:t>Second level</a:t>
             </a:r>
           </a:p>
           <a:p>
             <a:pPr lvl="2"/>
             <a:r>
-              <a:rPr lang="en-US" smtClean="0"/>
+              <a:rPr lang="en-US"/>
               <a:t>Third level</a:t>
             </a:r>
           </a:p>
           <a:p>
             <a:pPr lvl="3"/>
             <a:r>
-              <a:rPr lang="en-US" smtClean="0"/>
+              <a:rPr lang="en-US"/>
               <a:t>Fourth level</a:t>
             </a:r>
           </a:p>
           <a:p>
             <a:pPr lvl="4"/>
             <a:r>
-              <a:rPr lang="en-US" smtClean="0"/>
+              <a:rPr lang="en-US"/>
               <a:t>Fifth level</a:t>
             </a:r>
-            <a:endParaRPr lang="en-US"/>
           </a:p>
         </p:txBody>
       </p:sp>
@@ -1806,7 +1792,7 @@
             <a:fld id="{1D8BD707-D9CF-40AE-B4C6-C98DA3205C09}" type="datetimeFigureOut">
               <a:rPr lang="en-US" smtClean="0"/>
               <a:pPr/>
-              <a:t>8/1/2011</a:t>
+              <a:t>10/22/20</a:t>
             </a:fld>
             <a:endParaRPr lang="en-US"/>
           </a:p>
@@ -1896,10 +1882,9 @@
           <a:lstStyle/>
           <a:p>
             <a:r>
-              <a:rPr lang="en-US" smtClean="0"/>
+              <a:rPr lang="en-US"/>
               <a:t>Click to edit Master title style</a:t>
             </a:r>
-            <a:endParaRPr lang="en-US"/>
           </a:p>
         </p:txBody>
       </p:sp>
@@ -1921,7 +1906,7 @@
             <a:fld id="{1D8BD707-D9CF-40AE-B4C6-C98DA3205C09}" type="datetimeFigureOut">
               <a:rPr lang="en-US" smtClean="0"/>
               <a:pPr/>
-              <a:t>8/1/2011</a:t>
+              <a:t>10/22/20</a:t>
             </a:fld>
             <a:endParaRPr lang="en-US"/>
           </a:p>
@@ -2013,7 +1998,7 @@
             <a:fld id="{1D8BD707-D9CF-40AE-B4C6-C98DA3205C09}" type="datetimeFigureOut">
               <a:rPr lang="en-US" smtClean="0"/>
               <a:pPr/>
-              <a:t>8/1/2011</a:t>
+              <a:t>10/22/20</a:t>
             </a:fld>
             <a:endParaRPr lang="en-US"/>
           </a:p>
@@ -2112,10 +2097,9 @@
           </a:lstStyle>
           <a:p>
             <a:r>
-              <a:rPr lang="en-US" smtClean="0"/>
+              <a:rPr lang="en-US"/>
               <a:t>Click to edit Master title style</a:t>
             </a:r>
-            <a:endParaRPr lang="en-US"/>
           </a:p>
         </p:txBody>
       </p:sp>
@@ -2169,38 +2153,37 @@
           <a:p>
             <a:pPr lvl="0"/>
             <a:r>
-              <a:rPr lang="en-US" smtClean="0"/>
+              <a:rPr lang="en-US"/>
               <a:t>Click to edit Master text styles</a:t>
             </a:r>
           </a:p>
           <a:p>
             <a:pPr lvl="1"/>
             <a:r>
-              <a:rPr lang="en-US" smtClean="0"/>
+              <a:rPr lang="en-US"/>
               <a:t>Second level</a:t>
             </a:r>
           </a:p>
           <a:p>
             <a:pPr lvl="2"/>
             <a:r>
-              <a:rPr lang="en-US" smtClean="0"/>
+              <a:rPr lang="en-US"/>
               <a:t>Third level</a:t>
             </a:r>
           </a:p>
           <a:p>
             <a:pPr lvl="3"/>
             <a:r>
-              <a:rPr lang="en-US" smtClean="0"/>
+              <a:rPr lang="en-US"/>
               <a:t>Fourth level</a:t>
             </a:r>
           </a:p>
           <a:p>
             <a:pPr lvl="4"/>
             <a:r>
-              <a:rPr lang="en-US" smtClean="0"/>
+              <a:rPr lang="en-US"/>
               <a:t>Fifth level</a:t>
             </a:r>
-            <a:endParaRPr lang="en-US"/>
           </a:p>
         </p:txBody>
       </p:sp>
@@ -2263,7 +2246,7 @@
           <a:p>
             <a:pPr lvl="0"/>
             <a:r>
-              <a:rPr lang="en-US" smtClean="0"/>
+              <a:rPr lang="en-US"/>
               <a:t>Click to edit Master text styles</a:t>
             </a:r>
           </a:p>
@@ -2287,7 +2270,7 @@
             <a:fld id="{1D8BD707-D9CF-40AE-B4C6-C98DA3205C09}" type="datetimeFigureOut">
               <a:rPr lang="en-US" smtClean="0"/>
               <a:pPr/>
-              <a:t>8/1/2011</a:t>
+              <a:t>10/22/20</a:t>
             </a:fld>
             <a:endParaRPr lang="en-US"/>
           </a:p>
@@ -2386,10 +2369,9 @@
           </a:lstStyle>
           <a:p>
             <a:r>
-              <a:rPr lang="en-US" smtClean="0"/>
+              <a:rPr lang="en-US"/>
               <a:t>Click to edit Master title style</a:t>
             </a:r>
-            <a:endParaRPr lang="en-US"/>
           </a:p>
         </p:txBody>
       </p:sp>
@@ -2513,7 +2495,7 @@
           <a:p>
             <a:pPr lvl="0"/>
             <a:r>
-              <a:rPr lang="en-US" smtClean="0"/>
+              <a:rPr lang="en-US"/>
               <a:t>Click to edit Master text styles</a:t>
             </a:r>
           </a:p>
@@ -2537,7 +2519,7 @@
             <a:fld id="{1D8BD707-D9CF-40AE-B4C6-C98DA3205C09}" type="datetimeFigureOut">
               <a:rPr lang="en-US" smtClean="0"/>
               <a:pPr/>
-              <a:t>8/1/2011</a:t>
+              <a:t>10/22/20</a:t>
             </a:fld>
             <a:endParaRPr lang="en-US"/>
           </a:p>
@@ -2642,10 +2624,9 @@
           <a:lstStyle/>
           <a:p>
             <a:r>
-              <a:rPr lang="en-US" smtClean="0"/>
+              <a:rPr lang="en-US"/>
               <a:t>Click to edit Master title style</a:t>
             </a:r>
-            <a:endParaRPr lang="en-US"/>
           </a:p>
         </p:txBody>
       </p:sp>
@@ -2676,38 +2657,37 @@
           <a:p>
             <a:pPr lvl="0"/>
             <a:r>
-              <a:rPr lang="en-US" smtClean="0"/>
+              <a:rPr lang="en-US"/>
               <a:t>Click to edit Master text styles</a:t>
             </a:r>
           </a:p>
           <a:p>
             <a:pPr lvl="1"/>
             <a:r>
-              <a:rPr lang="en-US" smtClean="0"/>
+              <a:rPr lang="en-US"/>
               <a:t>Second level</a:t>
             </a:r>
           </a:p>
           <a:p>
             <a:pPr lvl="2"/>
             <a:r>
-              <a:rPr lang="en-US" smtClean="0"/>
+              <a:rPr lang="en-US"/>
               <a:t>Third level</a:t>
             </a:r>
           </a:p>
           <a:p>
             <a:pPr lvl="3"/>
             <a:r>
-              <a:rPr lang="en-US" smtClean="0"/>
+              <a:rPr lang="en-US"/>
               <a:t>Fourth level</a:t>
             </a:r>
           </a:p>
           <a:p>
             <a:pPr lvl="4"/>
             <a:r>
-              <a:rPr lang="en-US" smtClean="0"/>
+              <a:rPr lang="en-US"/>
               <a:t>Fifth level</a:t>
             </a:r>
-            <a:endParaRPr lang="en-US"/>
           </a:p>
         </p:txBody>
       </p:sp>
@@ -2747,7 +2727,7 @@
             <a:fld id="{1D8BD707-D9CF-40AE-B4C6-C98DA3205C09}" type="datetimeFigureOut">
               <a:rPr lang="en-US" smtClean="0"/>
               <a:pPr/>
-              <a:t>8/1/2011</a:t>
+              <a:t>10/22/20</a:t>
             </a:fld>
             <a:endParaRPr lang="en-US"/>
           </a:p>
@@ -3102,13 +3082,14 @@
 </file>
 
 <file path=ppt/slides/slide1.xml><?xml version="1.0" encoding="utf-8"?>
-<p:sld xmlns:p="http://schemas.openxmlformats.org/presentationml/2006/main" xmlns:a="http://schemas.openxmlformats.org/drawingml/2006/main" xmlns:r="http://schemas.openxmlformats.org/officeDocument/2006/relationships">
+<p:sld xmlns:a="http://schemas.openxmlformats.org/drawingml/2006/main" xmlns:r="http://schemas.openxmlformats.org/officeDocument/2006/relationships" xmlns:p="http://schemas.openxmlformats.org/presentationml/2006/main">
   <p:cSld>
     <p:bg>
       <p:bgPr>
         <a:solidFill>
           <a:srgbClr val="F4592F"/>
         </a:solidFill>
+        <a:effectLst/>
       </p:bgPr>
     </p:bg>
     <p:spTree>
@@ -3127,9 +3108,9 @@
       </p:grpSpPr>
       <p:pic>
         <p:nvPicPr>
-          <p:cNvPr name="Picture 2" id="2"/>
+          <p:cNvPr id="2" name="Picture 2"/>
           <p:cNvPicPr>
-            <a:picLocks noChangeAspect="true"/>
+            <a:picLocks noChangeAspect="1"/>
           </p:cNvPicPr>
           <p:nvPr/>
         </p:nvPicPr>
@@ -3137,13 +3118,13 @@
           <a:blip r:embed="rId2">
             <a:alphaModFix amt="19999"/>
           </a:blip>
-          <a:srcRect l="0" t="0" r="240" b="12679"/>
+          <a:srcRect r="240" b="12679"/>
           <a:stretch>
             <a:fillRect/>
           </a:stretch>
         </p:blipFill>
         <p:spPr>
-          <a:xfrm flipH="false" flipV="false" rot="0">
+          <a:xfrm>
             <a:off x="8443667" y="1485170"/>
             <a:ext cx="8871302" cy="7765149"/>
           </a:xfrm>
@@ -3154,21 +3135,21 @@
       </p:pic>
       <p:pic>
         <p:nvPicPr>
-          <p:cNvPr name="Picture 3" id="3"/>
+          <p:cNvPr id="3" name="Picture 3"/>
           <p:cNvPicPr>
-            <a:picLocks noChangeAspect="true"/>
+            <a:picLocks noChangeAspect="1"/>
           </p:cNvPicPr>
           <p:nvPr/>
         </p:nvPicPr>
         <p:blipFill>
           <a:blip r:embed="rId3"/>
-          <a:srcRect l="0" t="0" r="0" b="0"/>
+          <a:srcRect/>
           <a:stretch>
             <a:fillRect/>
           </a:stretch>
         </p:blipFill>
         <p:spPr>
-          <a:xfrm flipH="false" flipV="false" rot="0">
+          <a:xfrm>
             <a:off x="8953824" y="1508529"/>
             <a:ext cx="8308722" cy="7749771"/>
           </a:xfrm>
@@ -3179,14 +3160,14 @@
       </p:pic>
       <p:grpSp>
         <p:nvGrpSpPr>
-          <p:cNvPr name="Group 4" id="4"/>
+          <p:cNvPr id="4" name="Group 4"/>
           <p:cNvGrpSpPr>
-            <a:grpSpLocks noChangeAspect="true"/>
+            <a:grpSpLocks noChangeAspect="1"/>
           </p:cNvGrpSpPr>
           <p:nvPr/>
         </p:nvGrpSpPr>
         <p:grpSpPr>
-          <a:xfrm rot="0">
+          <a:xfrm>
             <a:off x="10228234" y="5024845"/>
             <a:ext cx="495300" cy="495300"/>
             <a:chOff x="0" y="0"/>
@@ -3195,7 +3176,7 @@
         </p:grpSpPr>
         <p:sp>
           <p:nvSpPr>
-            <p:cNvPr name="Freeform 5" id="5"/>
+            <p:cNvPr id="5" name="Freeform 5"/>
             <p:cNvSpPr/>
             <p:nvPr/>
           </p:nvSpPr>
@@ -3209,9 +3190,9 @@
               <a:gdLst/>
               <a:ahLst/>
               <a:cxnLst/>
-              <a:rect r="r" b="b" t="t" l="l"/>
+              <a:rect l="l" t="t" r="r" b="b"/>
               <a:pathLst>
-                <a:path h="6355080" w="6355080">
+                <a:path w="6355080" h="6355080">
                   <a:moveTo>
                     <a:pt x="3177540" y="6355080"/>
                   </a:moveTo>
@@ -3311,12 +3292,12 @@
       </p:grpSp>
       <p:grpSp>
         <p:nvGrpSpPr>
-          <p:cNvPr name="Group 6" id="6"/>
+          <p:cNvPr id="6" name="Group 6"/>
           <p:cNvGrpSpPr/>
           <p:nvPr/>
         </p:nvGrpSpPr>
         <p:grpSpPr>
-          <a:xfrm rot="0">
+          <a:xfrm>
             <a:off x="732892" y="1445901"/>
             <a:ext cx="9198931" cy="8299718"/>
             <a:chOff x="0" y="0"/>
@@ -3325,12 +3306,12 @@
         </p:grpSpPr>
         <p:sp>
           <p:nvSpPr>
-            <p:cNvPr name="TextBox 7" id="7"/>
-            <p:cNvSpPr txBox="true"/>
+            <p:cNvPr id="7" name="TextBox 7"/>
+            <p:cNvSpPr txBox="1"/>
             <p:nvPr/>
           </p:nvSpPr>
           <p:spPr>
-            <a:xfrm rot="0">
+            <a:xfrm>
               <a:off x="0" y="171450"/>
               <a:ext cx="12265241" cy="6773249"/>
             </a:xfrm>
@@ -3339,7 +3320,7 @@
             </a:prstGeom>
           </p:spPr>
           <p:txBody>
-            <a:bodyPr anchor="t" rtlCol="false" tIns="0" lIns="0" bIns="0" rIns="0">
+            <a:bodyPr lIns="0" tIns="0" rIns="0" bIns="0" rtlCol="0" anchor="t">
               <a:spAutoFit/>
             </a:bodyPr>
             <a:lstStyle/>
@@ -3363,12 +3344,12 @@
         </p:sp>
         <p:sp>
           <p:nvSpPr>
-            <p:cNvPr name="TextBox 8" id="8"/>
-            <p:cNvSpPr txBox="true"/>
+            <p:cNvPr id="8" name="TextBox 8"/>
+            <p:cNvSpPr txBox="1"/>
             <p:nvPr/>
           </p:nvSpPr>
           <p:spPr>
-            <a:xfrm rot="0">
+            <a:xfrm>
               <a:off x="24730" y="7386890"/>
               <a:ext cx="12240511" cy="3679402"/>
             </a:xfrm>
@@ -3377,7 +3358,7 @@
             </a:prstGeom>
           </p:spPr>
           <p:txBody>
-            <a:bodyPr anchor="t" rtlCol="false" tIns="0" lIns="0" bIns="0" rIns="0">
+            <a:bodyPr lIns="0" tIns="0" rIns="0" bIns="0" rtlCol="0" anchor="t">
               <a:spAutoFit/>
             </a:bodyPr>
             <a:lstStyle/>
@@ -3419,6 +3400,12 @@
                   <a:spcPts val="3919"/>
                 </a:lnSpc>
               </a:pPr>
+              <a:endParaRPr lang="en-US" sz="2800" spc="56">
+                <a:solidFill>
+                  <a:srgbClr val="F6F6F6"/>
+                </a:solidFill>
+                <a:latin typeface="Telegraf"/>
+              </a:endParaRPr>
             </a:p>
             <a:p>
               <a:pPr>
@@ -3441,21 +3428,21 @@
       </p:grpSp>
       <p:pic>
         <p:nvPicPr>
-          <p:cNvPr name="Picture 9" id="9"/>
+          <p:cNvPr id="9" name="Picture 9"/>
           <p:cNvPicPr>
-            <a:picLocks noChangeAspect="true"/>
+            <a:picLocks noChangeAspect="1"/>
           </p:cNvPicPr>
           <p:nvPr/>
         </p:nvPicPr>
         <p:blipFill>
           <a:blip r:embed="rId4"/>
-          <a:srcRect l="0" t="0" r="0" b="0"/>
+          <a:srcRect/>
           <a:stretch>
             <a:fillRect/>
           </a:stretch>
         </p:blipFill>
         <p:spPr>
-          <a:xfrm flipH="false" flipV="false" rot="1694643">
+          <a:xfrm rot="1694643">
             <a:off x="16038644" y="7825141"/>
             <a:ext cx="1343134" cy="671567"/>
           </a:xfrm>
@@ -3473,13 +3460,14 @@
 </file>
 
 <file path=ppt/slides/slide10.xml><?xml version="1.0" encoding="utf-8"?>
-<p:sld xmlns:p="http://schemas.openxmlformats.org/presentationml/2006/main" xmlns:a="http://schemas.openxmlformats.org/drawingml/2006/main" xmlns:r="http://schemas.openxmlformats.org/officeDocument/2006/relationships">
+<p:sld xmlns:a="http://schemas.openxmlformats.org/drawingml/2006/main" xmlns:r="http://schemas.openxmlformats.org/officeDocument/2006/relationships" xmlns:p="http://schemas.openxmlformats.org/presentationml/2006/main">
   <p:cSld>
     <p:bg>
       <p:bgPr>
         <a:solidFill>
           <a:srgbClr val="F8B8A7"/>
         </a:solidFill>
+        <a:effectLst/>
       </p:bgPr>
     </p:bg>
     <p:spTree>
@@ -3498,12 +3486,12 @@
       </p:grpSpPr>
       <p:grpSp>
         <p:nvGrpSpPr>
-          <p:cNvPr name="Group 2" id="2"/>
+          <p:cNvPr id="2" name="Group 2"/>
           <p:cNvGrpSpPr/>
           <p:nvPr/>
         </p:nvGrpSpPr>
         <p:grpSpPr>
-          <a:xfrm rot="0">
+          <a:xfrm>
             <a:off x="2294060" y="772805"/>
             <a:ext cx="13699880" cy="2212520"/>
             <a:chOff x="0" y="0"/>
@@ -3512,12 +3500,12 @@
         </p:grpSpPr>
         <p:sp>
           <p:nvSpPr>
-            <p:cNvPr name="TextBox 3" id="3"/>
-            <p:cNvSpPr txBox="true"/>
+            <p:cNvPr id="3" name="TextBox 3"/>
+            <p:cNvSpPr txBox="1"/>
             <p:nvPr/>
           </p:nvSpPr>
           <p:spPr>
-            <a:xfrm rot="0">
+            <a:xfrm>
               <a:off x="0" y="2289203"/>
               <a:ext cx="18266507" cy="660823"/>
             </a:xfrm>
@@ -3526,7 +3514,7 @@
             </a:prstGeom>
           </p:spPr>
           <p:txBody>
-            <a:bodyPr anchor="t" rtlCol="false" tIns="0" lIns="0" bIns="0" rIns="0">
+            <a:bodyPr lIns="0" tIns="0" rIns="0" bIns="0" rtlCol="0" anchor="t">
               <a:spAutoFit/>
             </a:bodyPr>
             <a:lstStyle/>
@@ -3536,17 +3524,18 @@
                   <a:spcPts val="3919"/>
                 </a:lnSpc>
               </a:pPr>
+              <a:endParaRPr/>
             </a:p>
           </p:txBody>
         </p:sp>
         <p:sp>
           <p:nvSpPr>
-            <p:cNvPr name="TextBox 4" id="4"/>
-            <p:cNvSpPr txBox="true"/>
+            <p:cNvPr id="4" name="TextBox 4"/>
+            <p:cNvSpPr txBox="1"/>
             <p:nvPr/>
           </p:nvSpPr>
           <p:spPr>
-            <a:xfrm rot="0">
+            <a:xfrm>
               <a:off x="0" y="-9525"/>
               <a:ext cx="18266507" cy="1950085"/>
             </a:xfrm>
@@ -3555,7 +3544,7 @@
             </a:prstGeom>
           </p:spPr>
           <p:txBody>
-            <a:bodyPr anchor="t" rtlCol="false" tIns="0" lIns="0" bIns="0" rIns="0">
+            <a:bodyPr lIns="0" tIns="0" rIns="0" bIns="0" rtlCol="0" anchor="t">
               <a:spAutoFit/>
             </a:bodyPr>
             <a:lstStyle/>
@@ -3580,21 +3569,21 @@
       </p:grpSp>
       <p:pic>
         <p:nvPicPr>
-          <p:cNvPr name="Picture 5" id="5"/>
+          <p:cNvPr id="5" name="Picture 5"/>
           <p:cNvPicPr>
-            <a:picLocks noChangeAspect="true"/>
+            <a:picLocks noChangeAspect="1"/>
           </p:cNvPicPr>
           <p:nvPr/>
         </p:nvPicPr>
         <p:blipFill>
           <a:blip r:embed="rId2"/>
-          <a:srcRect l="77853" t="0" r="0" b="440"/>
+          <a:srcRect l="77853" b="440"/>
           <a:stretch>
             <a:fillRect/>
           </a:stretch>
         </p:blipFill>
         <p:spPr>
-          <a:xfrm flipH="false" flipV="false" rot="0">
+          <a:xfrm>
             <a:off x="6606238" y="2745627"/>
             <a:ext cx="5083119" cy="6483972"/>
           </a:xfrm>
@@ -3605,9 +3594,9 @@
       </p:pic>
       <p:pic>
         <p:nvPicPr>
-          <p:cNvPr name="Picture 6" id="6"/>
+          <p:cNvPr id="6" name="Picture 6"/>
           <p:cNvPicPr>
-            <a:picLocks noChangeAspect="true"/>
+            <a:picLocks noChangeAspect="1"/>
           </p:cNvPicPr>
           <p:nvPr/>
         </p:nvPicPr>
@@ -3615,13 +3604,13 @@
           <a:blip r:embed="rId3">
             <a:alphaModFix amt="25000"/>
           </a:blip>
-          <a:srcRect l="0" t="138" r="0" b="0"/>
+          <a:srcRect t="138"/>
           <a:stretch>
             <a:fillRect/>
           </a:stretch>
         </p:blipFill>
         <p:spPr>
-          <a:xfrm flipH="false" flipV="false" rot="3308605">
+          <a:xfrm rot="3308605">
             <a:off x="5603905" y="-2736442"/>
             <a:ext cx="19471048" cy="20101909"/>
           </a:xfrm>
@@ -3632,21 +3621,21 @@
       </p:pic>
       <p:pic>
         <p:nvPicPr>
-          <p:cNvPr name="Picture 7" id="7"/>
+          <p:cNvPr id="7" name="Picture 7"/>
           <p:cNvPicPr>
-            <a:picLocks noChangeAspect="true"/>
+            <a:picLocks noChangeAspect="1"/>
           </p:cNvPicPr>
           <p:nvPr/>
         </p:nvPicPr>
         <p:blipFill>
           <a:blip r:embed="rId4"/>
-          <a:srcRect l="0" t="0" r="0" b="0"/>
+          <a:srcRect/>
           <a:stretch>
             <a:fillRect/>
           </a:stretch>
         </p:blipFill>
         <p:spPr>
-          <a:xfrm flipH="false" flipV="false" rot="1030328">
+          <a:xfrm rot="1030328">
             <a:off x="15169161" y="8367341"/>
             <a:ext cx="2215000" cy="2351834"/>
           </a:xfrm>
@@ -3657,21 +3646,21 @@
       </p:pic>
       <p:pic>
         <p:nvPicPr>
-          <p:cNvPr name="Picture 8" id="8"/>
+          <p:cNvPr id="8" name="Picture 8"/>
           <p:cNvPicPr>
-            <a:picLocks noChangeAspect="true"/>
+            <a:picLocks noChangeAspect="1"/>
           </p:cNvPicPr>
           <p:nvPr/>
         </p:nvPicPr>
         <p:blipFill>
           <a:blip r:embed="rId5"/>
-          <a:srcRect l="0" t="0" r="0" b="0"/>
+          <a:srcRect/>
           <a:stretch>
             <a:fillRect/>
           </a:stretch>
         </p:blipFill>
         <p:spPr>
-          <a:xfrm flipH="false" flipV="false" rot="9778037">
+          <a:xfrm rot="9778037">
             <a:off x="-1179459" y="3638881"/>
             <a:ext cx="3304028" cy="1652014"/>
           </a:xfrm>
@@ -3689,13 +3678,14 @@
 </file>
 
 <file path=ppt/slides/slide11.xml><?xml version="1.0" encoding="utf-8"?>
-<p:sld xmlns:p="http://schemas.openxmlformats.org/presentationml/2006/main" xmlns:a="http://schemas.openxmlformats.org/drawingml/2006/main">
+<p:sld xmlns:a="http://schemas.openxmlformats.org/drawingml/2006/main" xmlns:r="http://schemas.openxmlformats.org/officeDocument/2006/relationships" xmlns:p="http://schemas.openxmlformats.org/presentationml/2006/main">
   <p:cSld>
     <p:bg>
       <p:bgPr>
         <a:solidFill>
           <a:srgbClr val="F6F6F6"/>
         </a:solidFill>
+        <a:effectLst/>
       </p:bgPr>
     </p:bg>
     <p:spTree>
@@ -3714,12 +3704,12 @@
       </p:grpSpPr>
       <p:grpSp>
         <p:nvGrpSpPr>
-          <p:cNvPr name="Group 2" id="2"/>
+          <p:cNvPr id="2" name="Group 2"/>
           <p:cNvGrpSpPr/>
           <p:nvPr/>
         </p:nvGrpSpPr>
         <p:grpSpPr>
-          <a:xfrm rot="0">
+          <a:xfrm>
             <a:off x="2294060" y="772805"/>
             <a:ext cx="13699880" cy="2212520"/>
             <a:chOff x="0" y="0"/>
@@ -3728,12 +3718,12 @@
         </p:grpSpPr>
         <p:sp>
           <p:nvSpPr>
-            <p:cNvPr name="TextBox 3" id="3"/>
-            <p:cNvSpPr txBox="true"/>
+            <p:cNvPr id="3" name="TextBox 3"/>
+            <p:cNvSpPr txBox="1"/>
             <p:nvPr/>
           </p:nvSpPr>
           <p:spPr>
-            <a:xfrm rot="0">
+            <a:xfrm>
               <a:off x="0" y="2289203"/>
               <a:ext cx="18266507" cy="660823"/>
             </a:xfrm>
@@ -3742,7 +3732,7 @@
             </a:prstGeom>
           </p:spPr>
           <p:txBody>
-            <a:bodyPr anchor="t" rtlCol="false" tIns="0" lIns="0" bIns="0" rIns="0">
+            <a:bodyPr lIns="0" tIns="0" rIns="0" bIns="0" rtlCol="0" anchor="t">
               <a:spAutoFit/>
             </a:bodyPr>
             <a:lstStyle/>
@@ -3766,12 +3756,12 @@
         </p:sp>
         <p:sp>
           <p:nvSpPr>
-            <p:cNvPr name="TextBox 4" id="4"/>
-            <p:cNvSpPr txBox="true"/>
+            <p:cNvPr id="4" name="TextBox 4"/>
+            <p:cNvSpPr txBox="1"/>
             <p:nvPr/>
           </p:nvSpPr>
           <p:spPr>
-            <a:xfrm rot="0">
+            <a:xfrm>
               <a:off x="0" y="-9525"/>
               <a:ext cx="18266507" cy="1950085"/>
             </a:xfrm>
@@ -3780,7 +3770,7 @@
             </a:prstGeom>
           </p:spPr>
           <p:txBody>
-            <a:bodyPr anchor="t" rtlCol="false" tIns="0" lIns="0" bIns="0" rIns="0">
+            <a:bodyPr lIns="0" tIns="0" rIns="0" bIns="0" rtlCol="0" anchor="t">
               <a:spAutoFit/>
             </a:bodyPr>
             <a:lstStyle/>
@@ -3805,7 +3795,7 @@
       </p:grpSp>
       <p:grpSp>
         <p:nvGrpSpPr>
-          <p:cNvPr name="Group 5" id="5"/>
+          <p:cNvPr id="5" name="Group 5"/>
           <p:cNvGrpSpPr/>
           <p:nvPr/>
         </p:nvGrpSpPr>
@@ -3819,7 +3809,7 @@
         </p:grpSpPr>
         <p:sp>
           <p:nvSpPr>
-            <p:cNvPr name="Freeform 6" id="6"/>
+            <p:cNvPr id="6" name="Freeform 6"/>
             <p:cNvSpPr/>
             <p:nvPr/>
           </p:nvSpPr>
@@ -3833,9 +3823,9 @@
               <a:gdLst/>
               <a:ahLst/>
               <a:cxnLst/>
-              <a:rect r="r" b="b" t="t" l="l"/>
+              <a:rect l="l" t="t" r="r" b="b"/>
               <a:pathLst>
-                <a:path h="434340" w="3785870">
+                <a:path w="3785870" h="434340">
                   <a:moveTo>
                     <a:pt x="3768090" y="187960"/>
                   </a:moveTo>
@@ -3907,7 +3897,7 @@
       </p:grpSp>
       <p:grpSp>
         <p:nvGrpSpPr>
-          <p:cNvPr name="Group 7" id="7"/>
+          <p:cNvPr id="7" name="Group 7"/>
           <p:cNvGrpSpPr/>
           <p:nvPr/>
         </p:nvGrpSpPr>
@@ -3921,7 +3911,7 @@
         </p:grpSpPr>
         <p:sp>
           <p:nvSpPr>
-            <p:cNvPr name="Freeform 8" id="8"/>
+            <p:cNvPr id="8" name="Freeform 8"/>
             <p:cNvSpPr/>
             <p:nvPr/>
           </p:nvSpPr>
@@ -3935,9 +3925,9 @@
               <a:gdLst/>
               <a:ahLst/>
               <a:cxnLst/>
-              <a:rect r="r" b="b" t="t" l="l"/>
+              <a:rect l="l" t="t" r="r" b="b"/>
               <a:pathLst>
-                <a:path h="434340" w="3785870">
+                <a:path w="3785870" h="434340">
                   <a:moveTo>
                     <a:pt x="3768090" y="187960"/>
                   </a:moveTo>
@@ -4009,12 +3999,12 @@
       </p:grpSp>
       <p:grpSp>
         <p:nvGrpSpPr>
-          <p:cNvPr name="Group 9" id="9"/>
+          <p:cNvPr id="9" name="Group 9"/>
           <p:cNvGrpSpPr/>
           <p:nvPr/>
         </p:nvGrpSpPr>
         <p:grpSpPr>
-          <a:xfrm rot="0">
+          <a:xfrm>
             <a:off x="3993954" y="7674975"/>
             <a:ext cx="10058400" cy="1140469"/>
             <a:chOff x="0" y="0"/>
@@ -4023,7 +4013,7 @@
         </p:grpSpPr>
         <p:sp>
           <p:nvSpPr>
-            <p:cNvPr name="Freeform 10" id="10"/>
+            <p:cNvPr id="10" name="Freeform 10"/>
             <p:cNvSpPr/>
             <p:nvPr/>
           </p:nvSpPr>
@@ -4037,9 +4027,9 @@
               <a:gdLst/>
               <a:ahLst/>
               <a:cxnLst/>
-              <a:rect r="r" b="b" t="t" l="l"/>
+              <a:rect l="l" t="t" r="r" b="b"/>
               <a:pathLst>
-                <a:path h="434340" w="3785870">
+                <a:path w="3785870" h="434340">
                   <a:moveTo>
                     <a:pt x="3768090" y="187960"/>
                   </a:moveTo>
@@ -4111,12 +4101,12 @@
       </p:grpSp>
       <p:sp>
         <p:nvSpPr>
-          <p:cNvPr name="TextBox 11" id="11"/>
-          <p:cNvSpPr txBox="true"/>
+          <p:cNvPr id="11" name="TextBox 11"/>
+          <p:cNvSpPr txBox="1"/>
           <p:nvPr/>
         </p:nvSpPr>
         <p:spPr>
-          <a:xfrm rot="0">
+          <a:xfrm>
             <a:off x="6672783" y="4057120"/>
             <a:ext cx="4942433" cy="519430"/>
           </a:xfrm>
@@ -4125,7 +4115,7 @@
           </a:prstGeom>
         </p:spPr>
         <p:txBody>
-          <a:bodyPr anchor="t" rtlCol="false" tIns="0" lIns="0" bIns="0" rIns="0">
+          <a:bodyPr lIns="0" tIns="0" rIns="0" bIns="0" rtlCol="0" anchor="t">
             <a:spAutoFit/>
           </a:bodyPr>
           <a:lstStyle/>
@@ -4152,21 +4142,21 @@
       </p:sp>
       <p:sp>
         <p:nvSpPr>
-          <p:cNvPr name="TextBox 12" id="12"/>
-          <p:cNvSpPr txBox="true"/>
+          <p:cNvPr id="12" name="TextBox 12"/>
+          <p:cNvSpPr txBox="1"/>
           <p:nvPr/>
         </p:nvSpPr>
         <p:spPr>
-          <a:xfrm rot="0">
-            <a:off x="6599709" y="5767037"/>
-            <a:ext cx="5088582" cy="519430"/>
+          <a:xfrm>
+            <a:off x="6081153" y="5779100"/>
+            <a:ext cx="6125691" cy="469872"/>
           </a:xfrm>
           <a:prstGeom prst="rect">
             <a:avLst/>
           </a:prstGeom>
         </p:spPr>
         <p:txBody>
-          <a:bodyPr anchor="t" rtlCol="false" tIns="0" lIns="0" bIns="0" rIns="0">
+          <a:bodyPr wrap="square" lIns="0" tIns="0" rIns="0" bIns="0" rtlCol="0" anchor="t">
             <a:spAutoFit/>
           </a:bodyPr>
           <a:lstStyle/>
@@ -4180,34 +4170,43 @@
               </a:spcBef>
             </a:pPr>
             <a:r>
-              <a:rPr lang="en-US" sz="2800" spc="56">
+              <a:rPr lang="en-US" sz="2800" spc="56" dirty="0" err="1">
                 <a:solidFill>
                   <a:srgbClr val="000000"/>
                 </a:solidFill>
                 <a:latin typeface="Telegraf"/>
               </a:rPr>
-              <a:t>Organisations impact Culture</a:t>
+              <a:t>Organisations</a:t>
+            </a:r>
+            <a:r>
+              <a:rPr lang="en-US" sz="2800" spc="56" dirty="0">
+                <a:solidFill>
+                  <a:srgbClr val="000000"/>
+                </a:solidFill>
+                <a:latin typeface="Telegraf"/>
+              </a:rPr>
+              <a:t> impact Culture</a:t>
             </a:r>
           </a:p>
         </p:txBody>
       </p:sp>
       <p:sp>
         <p:nvSpPr>
-          <p:cNvPr name="TextBox 13" id="13"/>
-          <p:cNvSpPr txBox="true"/>
+          <p:cNvPr id="13" name="TextBox 13"/>
+          <p:cNvSpPr txBox="1"/>
           <p:nvPr/>
         </p:nvSpPr>
         <p:spPr>
-          <a:xfrm rot="0">
-            <a:off x="6406455" y="7579725"/>
-            <a:ext cx="5475089" cy="519430"/>
+          <a:xfrm>
+            <a:off x="6136925" y="7592719"/>
+            <a:ext cx="6014145" cy="469872"/>
           </a:xfrm>
           <a:prstGeom prst="rect">
             <a:avLst/>
           </a:prstGeom>
         </p:spPr>
         <p:txBody>
-          <a:bodyPr anchor="t" rtlCol="false" tIns="0" lIns="0" bIns="0" rIns="0">
+          <a:bodyPr wrap="square" lIns="0" tIns="0" rIns="0" bIns="0" rtlCol="0" anchor="t">
             <a:spAutoFit/>
           </a:bodyPr>
           <a:lstStyle/>
@@ -4221,14 +4220,29 @@
               </a:spcBef>
             </a:pPr>
             <a:r>
-              <a:rPr lang="en-US" sz="2800" spc="56">
+              <a:rPr lang="en-US" sz="2800" spc="56" dirty="0">
                 <a:solidFill>
                   <a:srgbClr val="000000"/>
                 </a:solidFill>
                 <a:latin typeface="Telegraf"/>
               </a:rPr>
-              <a:t>Culture influence Organisations</a:t>
+              <a:t>Culture influence </a:t>
             </a:r>
+            <a:r>
+              <a:rPr lang="en-US" sz="2800" spc="56" dirty="0" err="1">
+                <a:solidFill>
+                  <a:srgbClr val="000000"/>
+                </a:solidFill>
+                <a:latin typeface="Telegraf"/>
+              </a:rPr>
+              <a:t>Organisations</a:t>
+            </a:r>
+            <a:endParaRPr lang="en-US" sz="2800" spc="56" dirty="0">
+              <a:solidFill>
+                <a:srgbClr val="000000"/>
+              </a:solidFill>
+              <a:latin typeface="Telegraf"/>
+            </a:endParaRPr>
           </a:p>
         </p:txBody>
       </p:sp>
@@ -4241,13 +4255,14 @@
 </file>
 
 <file path=ppt/slides/slide12.xml><?xml version="1.0" encoding="utf-8"?>
-<p:sld xmlns:p="http://schemas.openxmlformats.org/presentationml/2006/main" xmlns:a="http://schemas.openxmlformats.org/drawingml/2006/main" xmlns:r="http://schemas.openxmlformats.org/officeDocument/2006/relationships">
+<p:sld xmlns:a="http://schemas.openxmlformats.org/drawingml/2006/main" xmlns:r="http://schemas.openxmlformats.org/officeDocument/2006/relationships" xmlns:p="http://schemas.openxmlformats.org/presentationml/2006/main">
   <p:cSld>
     <p:bg>
       <p:bgPr>
         <a:solidFill>
           <a:srgbClr val="0050F5"/>
         </a:solidFill>
+        <a:effectLst/>
       </p:bgPr>
     </p:bg>
     <p:spTree>
@@ -4266,9 +4281,9 @@
       </p:grpSpPr>
       <p:pic>
         <p:nvPicPr>
-          <p:cNvPr name="Picture 2" id="2"/>
+          <p:cNvPr id="2" name="Picture 2"/>
           <p:cNvPicPr>
-            <a:picLocks noChangeAspect="true"/>
+            <a:picLocks noChangeAspect="1"/>
           </p:cNvPicPr>
           <p:nvPr/>
         </p:nvPicPr>
@@ -4276,13 +4291,13 @@
           <a:blip r:embed="rId2">
             <a:alphaModFix amt="9999"/>
           </a:blip>
-          <a:srcRect l="0" t="0" r="35292" b="0"/>
+          <a:srcRect r="35292"/>
           <a:stretch>
             <a:fillRect/>
           </a:stretch>
         </p:blipFill>
         <p:spPr>
-          <a:xfrm flipH="false" flipV="false" rot="-10800000">
+          <a:xfrm rot="-10800000">
             <a:off x="9894832" y="2150479"/>
             <a:ext cx="8393168" cy="13409802"/>
           </a:xfrm>
@@ -4293,12 +4308,12 @@
       </p:pic>
       <p:grpSp>
         <p:nvGrpSpPr>
-          <p:cNvPr name="Group 3" id="3"/>
+          <p:cNvPr id="3" name="Group 3"/>
           <p:cNvGrpSpPr/>
           <p:nvPr/>
         </p:nvGrpSpPr>
         <p:grpSpPr>
-          <a:xfrm rot="0">
+          <a:xfrm>
             <a:off x="2294060" y="772805"/>
             <a:ext cx="13699880" cy="2212520"/>
             <a:chOff x="0" y="0"/>
@@ -4307,12 +4322,12 @@
         </p:grpSpPr>
         <p:sp>
           <p:nvSpPr>
-            <p:cNvPr name="TextBox 4" id="4"/>
-            <p:cNvSpPr txBox="true"/>
+            <p:cNvPr id="4" name="TextBox 4"/>
+            <p:cNvSpPr txBox="1"/>
             <p:nvPr/>
           </p:nvSpPr>
           <p:spPr>
-            <a:xfrm rot="0">
+            <a:xfrm>
               <a:off x="0" y="2289203"/>
               <a:ext cx="18266507" cy="660823"/>
             </a:xfrm>
@@ -4321,7 +4336,7 @@
             </a:prstGeom>
           </p:spPr>
           <p:txBody>
-            <a:bodyPr anchor="t" rtlCol="false" tIns="0" lIns="0" bIns="0" rIns="0">
+            <a:bodyPr lIns="0" tIns="0" rIns="0" bIns="0" rtlCol="0" anchor="t">
               <a:spAutoFit/>
             </a:bodyPr>
             <a:lstStyle/>
@@ -4345,12 +4360,12 @@
         </p:sp>
         <p:sp>
           <p:nvSpPr>
-            <p:cNvPr name="TextBox 5" id="5"/>
-            <p:cNvSpPr txBox="true"/>
+            <p:cNvPr id="5" name="TextBox 5"/>
+            <p:cNvSpPr txBox="1"/>
             <p:nvPr/>
           </p:nvSpPr>
           <p:spPr>
-            <a:xfrm rot="0">
+            <a:xfrm>
               <a:off x="0" y="-9525"/>
               <a:ext cx="18266507" cy="1950085"/>
             </a:xfrm>
@@ -4359,7 +4374,7 @@
             </a:prstGeom>
           </p:spPr>
           <p:txBody>
-            <a:bodyPr anchor="t" rtlCol="false" tIns="0" lIns="0" bIns="0" rIns="0">
+            <a:bodyPr lIns="0" tIns="0" rIns="0" bIns="0" rtlCol="0" anchor="t">
               <a:spAutoFit/>
             </a:bodyPr>
             <a:lstStyle/>
@@ -4384,14 +4399,14 @@
       </p:grpSp>
       <p:grpSp>
         <p:nvGrpSpPr>
-          <p:cNvPr name="Group 6" id="6"/>
+          <p:cNvPr id="6" name="Group 6"/>
           <p:cNvGrpSpPr>
-            <a:grpSpLocks noChangeAspect="true"/>
+            <a:grpSpLocks noChangeAspect="1"/>
           </p:cNvGrpSpPr>
           <p:nvPr/>
         </p:nvGrpSpPr>
         <p:grpSpPr>
-          <a:xfrm rot="0">
+          <a:xfrm>
             <a:off x="11339366" y="3861326"/>
             <a:ext cx="711853" cy="711853"/>
             <a:chOff x="0" y="0"/>
@@ -4400,7 +4415,7 @@
         </p:grpSpPr>
         <p:sp>
           <p:nvSpPr>
-            <p:cNvPr name="Freeform 7" id="7"/>
+            <p:cNvPr id="7" name="Freeform 7"/>
             <p:cNvSpPr/>
             <p:nvPr/>
           </p:nvSpPr>
@@ -4414,9 +4429,9 @@
               <a:gdLst/>
               <a:ahLst/>
               <a:cxnLst/>
-              <a:rect r="r" b="b" t="t" l="l"/>
+              <a:rect l="l" t="t" r="r" b="b"/>
               <a:pathLst>
-                <a:path h="6355080" w="6355080">
+                <a:path w="6355080" h="6355080">
                   <a:moveTo>
                     <a:pt x="3177540" y="6355080"/>
                   </a:moveTo>
@@ -4516,21 +4531,21 @@
       </p:grpSp>
       <p:pic>
         <p:nvPicPr>
-          <p:cNvPr name="Picture 8" id="8"/>
+          <p:cNvPr id="8" name="Picture 8"/>
           <p:cNvPicPr>
-            <a:picLocks noChangeAspect="true"/>
+            <a:picLocks noChangeAspect="1"/>
           </p:cNvPicPr>
           <p:nvPr/>
         </p:nvPicPr>
         <p:blipFill>
           <a:blip r:embed="rId3"/>
-          <a:srcRect l="0" t="0" r="0" b="0"/>
+          <a:srcRect/>
           <a:stretch>
             <a:fillRect/>
           </a:stretch>
         </p:blipFill>
         <p:spPr>
-          <a:xfrm flipH="false" flipV="false" rot="0">
+          <a:xfrm>
             <a:off x="11035729" y="3364027"/>
             <a:ext cx="4028206" cy="6294071"/>
           </a:xfrm>
@@ -4541,12 +4556,12 @@
       </p:pic>
       <p:sp>
         <p:nvSpPr>
-          <p:cNvPr name="TextBox 9" id="9"/>
-          <p:cNvSpPr txBox="true"/>
+          <p:cNvPr id="9" name="TextBox 9"/>
+          <p:cNvSpPr txBox="1"/>
           <p:nvPr/>
         </p:nvSpPr>
         <p:spPr>
-          <a:xfrm rot="0">
+          <a:xfrm>
             <a:off x="444263" y="4496979"/>
             <a:ext cx="12122179" cy="2266950"/>
           </a:xfrm>
@@ -4555,12 +4570,12 @@
           </a:prstGeom>
         </p:spPr>
         <p:txBody>
-          <a:bodyPr anchor="t" rtlCol="false" tIns="0" lIns="0" bIns="0" rIns="0">
+          <a:bodyPr lIns="0" tIns="0" rIns="0" bIns="0" rtlCol="0" anchor="t">
             <a:spAutoFit/>
           </a:bodyPr>
           <a:lstStyle/>
           <a:p>
-            <a:pPr marL="1554480" indent="-777240" lvl="1">
+            <a:pPr marL="1554480" lvl="1" indent="-777240">
               <a:lnSpc>
                 <a:spcPts val="8640"/>
               </a:lnSpc>
@@ -4578,7 +4593,7 @@
             </a:r>
           </a:p>
           <a:p>
-            <a:pPr marL="1554480" indent="-777240" lvl="1">
+            <a:pPr marL="1554480" lvl="1" indent="-777240">
               <a:lnSpc>
                 <a:spcPts val="8640"/>
               </a:lnSpc>
@@ -4599,7 +4614,7 @@
       </p:sp>
       <p:grpSp>
         <p:nvGrpSpPr>
-          <p:cNvPr name="Group 10" id="10"/>
+          <p:cNvPr id="10" name="Group 10"/>
           <p:cNvGrpSpPr/>
           <p:nvPr/>
         </p:nvGrpSpPr>
@@ -4613,7 +4628,7 @@
         </p:grpSpPr>
         <p:sp>
           <p:nvSpPr>
-            <p:cNvPr name="Freeform 11" id="11"/>
+            <p:cNvPr id="11" name="Freeform 11"/>
             <p:cNvSpPr/>
             <p:nvPr/>
           </p:nvSpPr>
@@ -4627,9 +4642,9 @@
               <a:gdLst/>
               <a:ahLst/>
               <a:cxnLst/>
-              <a:rect r="r" b="b" t="t" l="l"/>
+              <a:rect l="l" t="t" r="r" b="b"/>
               <a:pathLst>
-                <a:path h="1297940" w="1930400">
+                <a:path w="1930400" h="1297940">
                   <a:moveTo>
                     <a:pt x="0" y="0"/>
                   </a:moveTo>
@@ -4658,13 +4673,14 @@
 </file>
 
 <file path=ppt/slides/slide13.xml><?xml version="1.0" encoding="utf-8"?>
-<p:sld xmlns:p="http://schemas.openxmlformats.org/presentationml/2006/main" xmlns:a="http://schemas.openxmlformats.org/drawingml/2006/main" xmlns:r="http://schemas.openxmlformats.org/officeDocument/2006/relationships">
+<p:sld xmlns:a="http://schemas.openxmlformats.org/drawingml/2006/main" xmlns:r="http://schemas.openxmlformats.org/officeDocument/2006/relationships" xmlns:p="http://schemas.openxmlformats.org/presentationml/2006/main">
   <p:cSld>
     <p:bg>
       <p:bgPr>
         <a:solidFill>
           <a:srgbClr val="F4592F"/>
         </a:solidFill>
+        <a:effectLst/>
       </p:bgPr>
     </p:bg>
     <p:spTree>
@@ -4683,9 +4699,9 @@
       </p:grpSpPr>
       <p:pic>
         <p:nvPicPr>
-          <p:cNvPr name="Picture 2" id="2"/>
+          <p:cNvPr id="2" name="Picture 2"/>
           <p:cNvPicPr>
-            <a:picLocks noChangeAspect="true"/>
+            <a:picLocks noChangeAspect="1"/>
           </p:cNvPicPr>
           <p:nvPr/>
         </p:nvPicPr>
@@ -4693,13 +4709,13 @@
           <a:blip r:embed="rId2">
             <a:alphaModFix amt="9999"/>
           </a:blip>
-          <a:srcRect l="0" t="0" r="35292" b="0"/>
+          <a:srcRect r="35292"/>
           <a:stretch>
             <a:fillRect/>
           </a:stretch>
         </p:blipFill>
         <p:spPr>
-          <a:xfrm flipH="false" flipV="false" rot="-10800000">
+          <a:xfrm rot="-10800000">
             <a:off x="9894832" y="2150479"/>
             <a:ext cx="8393168" cy="13409802"/>
           </a:xfrm>
@@ -4710,12 +4726,12 @@
       </p:pic>
       <p:grpSp>
         <p:nvGrpSpPr>
-          <p:cNvPr name="Group 3" id="3"/>
+          <p:cNvPr id="3" name="Group 3"/>
           <p:cNvGrpSpPr/>
           <p:nvPr/>
         </p:nvGrpSpPr>
         <p:grpSpPr>
-          <a:xfrm rot="0">
+          <a:xfrm>
             <a:off x="2294060" y="772805"/>
             <a:ext cx="13699880" cy="2212520"/>
             <a:chOff x="0" y="0"/>
@@ -4724,12 +4740,12 @@
         </p:grpSpPr>
         <p:sp>
           <p:nvSpPr>
-            <p:cNvPr name="TextBox 4" id="4"/>
-            <p:cNvSpPr txBox="true"/>
+            <p:cNvPr id="4" name="TextBox 4"/>
+            <p:cNvSpPr txBox="1"/>
             <p:nvPr/>
           </p:nvSpPr>
           <p:spPr>
-            <a:xfrm rot="0">
+            <a:xfrm>
               <a:off x="0" y="2289203"/>
               <a:ext cx="18266507" cy="660823"/>
             </a:xfrm>
@@ -4738,7 +4754,7 @@
             </a:prstGeom>
           </p:spPr>
           <p:txBody>
-            <a:bodyPr anchor="t" rtlCol="false" tIns="0" lIns="0" bIns="0" rIns="0">
+            <a:bodyPr lIns="0" tIns="0" rIns="0" bIns="0" rtlCol="0" anchor="t">
               <a:spAutoFit/>
             </a:bodyPr>
             <a:lstStyle/>
@@ -4762,12 +4778,12 @@
         </p:sp>
         <p:sp>
           <p:nvSpPr>
-            <p:cNvPr name="TextBox 5" id="5"/>
-            <p:cNvSpPr txBox="true"/>
+            <p:cNvPr id="5" name="TextBox 5"/>
+            <p:cNvSpPr txBox="1"/>
             <p:nvPr/>
           </p:nvSpPr>
           <p:spPr>
-            <a:xfrm rot="0">
+            <a:xfrm>
               <a:off x="0" y="-9525"/>
               <a:ext cx="18266507" cy="1950085"/>
             </a:xfrm>
@@ -4776,7 +4792,7 @@
             </a:prstGeom>
           </p:spPr>
           <p:txBody>
-            <a:bodyPr anchor="t" rtlCol="false" tIns="0" lIns="0" bIns="0" rIns="0">
+            <a:bodyPr lIns="0" tIns="0" rIns="0" bIns="0" rtlCol="0" anchor="t">
               <a:spAutoFit/>
             </a:bodyPr>
             <a:lstStyle/>
@@ -4801,14 +4817,14 @@
       </p:grpSp>
       <p:grpSp>
         <p:nvGrpSpPr>
-          <p:cNvPr name="Group 6" id="6"/>
+          <p:cNvPr id="6" name="Group 6"/>
           <p:cNvGrpSpPr>
-            <a:grpSpLocks noChangeAspect="true"/>
+            <a:grpSpLocks noChangeAspect="1"/>
           </p:cNvGrpSpPr>
           <p:nvPr/>
         </p:nvGrpSpPr>
         <p:grpSpPr>
-          <a:xfrm rot="0">
+          <a:xfrm>
             <a:off x="11339366" y="3861326"/>
             <a:ext cx="711853" cy="711853"/>
             <a:chOff x="0" y="0"/>
@@ -4817,7 +4833,7 @@
         </p:grpSpPr>
         <p:sp>
           <p:nvSpPr>
-            <p:cNvPr name="Freeform 7" id="7"/>
+            <p:cNvPr id="7" name="Freeform 7"/>
             <p:cNvSpPr/>
             <p:nvPr/>
           </p:nvSpPr>
@@ -4831,9 +4847,9 @@
               <a:gdLst/>
               <a:ahLst/>
               <a:cxnLst/>
-              <a:rect r="r" b="b" t="t" l="l"/>
+              <a:rect l="l" t="t" r="r" b="b"/>
               <a:pathLst>
-                <a:path h="6355080" w="6355080">
+                <a:path w="6355080" h="6355080">
                   <a:moveTo>
                     <a:pt x="3177540" y="6355080"/>
                   </a:moveTo>
@@ -4933,12 +4949,12 @@
       </p:grpSp>
       <p:sp>
         <p:nvSpPr>
-          <p:cNvPr name="TextBox 8" id="8"/>
-          <p:cNvSpPr txBox="true"/>
+          <p:cNvPr id="8" name="TextBox 8"/>
+          <p:cNvSpPr txBox="1"/>
           <p:nvPr/>
         </p:nvSpPr>
         <p:spPr>
-          <a:xfrm rot="0">
+          <a:xfrm>
             <a:off x="444263" y="4496979"/>
             <a:ext cx="12122179" cy="2266950"/>
           </a:xfrm>
@@ -4947,12 +4963,12 @@
           </a:prstGeom>
         </p:spPr>
         <p:txBody>
-          <a:bodyPr anchor="t" rtlCol="false" tIns="0" lIns="0" bIns="0" rIns="0">
+          <a:bodyPr lIns="0" tIns="0" rIns="0" bIns="0" rtlCol="0" anchor="t">
             <a:spAutoFit/>
           </a:bodyPr>
           <a:lstStyle/>
           <a:p>
-            <a:pPr marL="1554480" indent="-777240" lvl="1">
+            <a:pPr marL="1554480" lvl="1" indent="-777240">
               <a:lnSpc>
                 <a:spcPts val="8640"/>
               </a:lnSpc>
@@ -4970,7 +4986,7 @@
             </a:r>
           </a:p>
           <a:p>
-            <a:pPr marL="1554480" indent="-777240" lvl="1">
+            <a:pPr marL="1554480" lvl="1" indent="-777240">
               <a:lnSpc>
                 <a:spcPts val="8640"/>
               </a:lnSpc>
@@ -4991,7 +5007,7 @@
       </p:sp>
       <p:grpSp>
         <p:nvGrpSpPr>
-          <p:cNvPr name="Group 9" id="9"/>
+          <p:cNvPr id="9" name="Group 9"/>
           <p:cNvGrpSpPr/>
           <p:nvPr/>
         </p:nvGrpSpPr>
@@ -5005,7 +5021,7 @@
         </p:grpSpPr>
         <p:sp>
           <p:nvSpPr>
-            <p:cNvPr name="Freeform 10" id="10"/>
+            <p:cNvPr id="10" name="Freeform 10"/>
             <p:cNvSpPr/>
             <p:nvPr/>
           </p:nvSpPr>
@@ -5019,9 +5035,9 @@
               <a:gdLst/>
               <a:ahLst/>
               <a:cxnLst/>
-              <a:rect r="r" b="b" t="t" l="l"/>
+              <a:rect l="l" t="t" r="r" b="b"/>
               <a:pathLst>
-                <a:path h="1297940" w="1930400">
+                <a:path w="1930400" h="1297940">
                   <a:moveTo>
                     <a:pt x="0" y="0"/>
                   </a:moveTo>
@@ -5043,21 +5059,21 @@
       </p:grpSp>
       <p:pic>
         <p:nvPicPr>
-          <p:cNvPr name="Picture 11" id="11"/>
+          <p:cNvPr id="11" name="Picture 11"/>
           <p:cNvPicPr>
-            <a:picLocks noChangeAspect="true"/>
+            <a:picLocks noChangeAspect="1"/>
           </p:cNvPicPr>
           <p:nvPr/>
         </p:nvPicPr>
         <p:blipFill>
           <a:blip r:embed="rId3"/>
-          <a:srcRect l="0" t="0" r="0" b="0"/>
+          <a:srcRect/>
           <a:stretch>
             <a:fillRect/>
           </a:stretch>
         </p:blipFill>
         <p:spPr>
-          <a:xfrm flipH="false" flipV="false" rot="0">
+          <a:xfrm>
             <a:off x="12111771" y="3861326"/>
             <a:ext cx="3959290" cy="6015496"/>
           </a:xfrm>
@@ -5068,21 +5084,21 @@
       </p:pic>
       <p:pic>
         <p:nvPicPr>
-          <p:cNvPr name="Picture 12" id="12"/>
+          <p:cNvPr id="12" name="Picture 12"/>
           <p:cNvPicPr>
-            <a:picLocks noChangeAspect="true"/>
+            <a:picLocks noChangeAspect="1"/>
           </p:cNvPicPr>
           <p:nvPr/>
         </p:nvPicPr>
         <p:blipFill>
           <a:blip r:embed="rId4"/>
-          <a:srcRect l="0" t="0" r="0" b="0"/>
+          <a:srcRect/>
           <a:stretch>
             <a:fillRect/>
           </a:stretch>
         </p:blipFill>
         <p:spPr>
-          <a:xfrm flipH="false" flipV="false" rot="7964631">
+          <a:xfrm rot="7964631">
             <a:off x="11118723" y="6922878"/>
             <a:ext cx="1864991" cy="932496"/>
           </a:xfrm>
@@ -5093,14 +5109,14 @@
       </p:pic>
       <p:grpSp>
         <p:nvGrpSpPr>
-          <p:cNvPr name="Group 13" id="13"/>
+          <p:cNvPr id="13" name="Group 13"/>
           <p:cNvGrpSpPr>
-            <a:grpSpLocks noChangeAspect="true"/>
+            <a:grpSpLocks noChangeAspect="1"/>
           </p:cNvGrpSpPr>
           <p:nvPr/>
         </p:nvGrpSpPr>
         <p:grpSpPr>
-          <a:xfrm rot="0">
+          <a:xfrm>
             <a:off x="15334653" y="3969603"/>
             <a:ext cx="495300" cy="495300"/>
             <a:chOff x="0" y="0"/>
@@ -5109,7 +5125,7 @@
         </p:grpSpPr>
         <p:sp>
           <p:nvSpPr>
-            <p:cNvPr name="Freeform 14" id="14"/>
+            <p:cNvPr id="14" name="Freeform 14"/>
             <p:cNvSpPr/>
             <p:nvPr/>
           </p:nvSpPr>
@@ -5123,9 +5139,9 @@
               <a:gdLst/>
               <a:ahLst/>
               <a:cxnLst/>
-              <a:rect r="r" b="b" t="t" l="l"/>
+              <a:rect l="l" t="t" r="r" b="b"/>
               <a:pathLst>
-                <a:path h="6355080" w="6355080">
+                <a:path w="6355080" h="6355080">
                   <a:moveTo>
                     <a:pt x="3177540" y="6355080"/>
                   </a:moveTo>
@@ -5225,7 +5241,7 @@
       </p:grpSp>
       <p:grpSp>
         <p:nvGrpSpPr>
-          <p:cNvPr name="Group 15" id="15"/>
+          <p:cNvPr id="15" name="Group 15"/>
           <p:cNvGrpSpPr/>
           <p:nvPr/>
         </p:nvGrpSpPr>
@@ -5239,7 +5255,7 @@
         </p:grpSpPr>
         <p:sp>
           <p:nvSpPr>
-            <p:cNvPr name="Freeform 16" id="16"/>
+            <p:cNvPr id="16" name="Freeform 16"/>
             <p:cNvSpPr/>
             <p:nvPr/>
           </p:nvSpPr>
@@ -5253,9 +5269,9 @@
               <a:gdLst/>
               <a:ahLst/>
               <a:cxnLst/>
-              <a:rect r="r" b="b" t="t" l="l"/>
+              <a:rect l="l" t="t" r="r" b="b"/>
               <a:pathLst>
-                <a:path h="1297940" w="1930400">
+                <a:path w="1930400" h="1297940">
                   <a:moveTo>
                     <a:pt x="0" y="0"/>
                   </a:moveTo>
@@ -5284,13 +5300,14 @@
 </file>
 
 <file path=ppt/slides/slide14.xml><?xml version="1.0" encoding="utf-8"?>
-<p:sld xmlns:p="http://schemas.openxmlformats.org/presentationml/2006/main" xmlns:a="http://schemas.openxmlformats.org/drawingml/2006/main" xmlns:r="http://schemas.openxmlformats.org/officeDocument/2006/relationships">
+<p:sld xmlns:a="http://schemas.openxmlformats.org/drawingml/2006/main" xmlns:r="http://schemas.openxmlformats.org/officeDocument/2006/relationships" xmlns:p="http://schemas.openxmlformats.org/presentationml/2006/main">
   <p:cSld>
     <p:bg>
       <p:bgPr>
         <a:solidFill>
           <a:srgbClr val="F6F6F6"/>
         </a:solidFill>
+        <a:effectLst/>
       </p:bgPr>
     </p:bg>
     <p:spTree>
@@ -5309,21 +5326,21 @@
       </p:grpSpPr>
       <p:pic>
         <p:nvPicPr>
-          <p:cNvPr name="Picture 2" id="2"/>
+          <p:cNvPr id="2" name="Picture 2"/>
           <p:cNvPicPr>
-            <a:picLocks noChangeAspect="true"/>
+            <a:picLocks noChangeAspect="1"/>
           </p:cNvPicPr>
           <p:nvPr/>
         </p:nvPicPr>
         <p:blipFill>
           <a:blip r:embed="rId2"/>
-          <a:srcRect l="0" t="0" r="0" b="0"/>
+          <a:srcRect/>
           <a:stretch>
             <a:fillRect/>
           </a:stretch>
         </p:blipFill>
         <p:spPr>
-          <a:xfrm flipH="false" flipV="false" rot="-3527835">
+          <a:xfrm rot="-3527835">
             <a:off x="8319850" y="-936658"/>
             <a:ext cx="2215000" cy="2351834"/>
           </a:xfrm>
@@ -5334,12 +5351,12 @@
       </p:pic>
       <p:sp>
         <p:nvSpPr>
-          <p:cNvPr name="AutoShape 3" id="3"/>
+          <p:cNvPr id="3" name="AutoShape 3"/>
           <p:cNvSpPr/>
           <p:nvPr/>
         </p:nvSpPr>
         <p:spPr>
-          <a:xfrm rot="0">
+          <a:xfrm>
             <a:off x="0" y="0"/>
             <a:ext cx="9144000" cy="5143500"/>
           </a:xfrm>
@@ -5353,21 +5370,21 @@
       </p:sp>
       <p:pic>
         <p:nvPicPr>
-          <p:cNvPr name="Picture 4" id="4"/>
+          <p:cNvPr id="4" name="Picture 4"/>
           <p:cNvPicPr>
-            <a:picLocks noChangeAspect="true"/>
+            <a:picLocks noChangeAspect="1"/>
           </p:cNvPicPr>
           <p:nvPr/>
         </p:nvPicPr>
         <p:blipFill>
           <a:blip r:embed="rId3"/>
-          <a:srcRect l="0" t="0" r="0" b="0"/>
+          <a:srcRect/>
           <a:stretch>
             <a:fillRect/>
           </a:stretch>
         </p:blipFill>
         <p:spPr>
-          <a:xfrm flipH="false" flipV="false" rot="7964631">
+          <a:xfrm rot="7964631">
             <a:off x="14643028" y="4425398"/>
             <a:ext cx="1864991" cy="932496"/>
           </a:xfrm>
@@ -5378,21 +5395,21 @@
       </p:pic>
       <p:pic>
         <p:nvPicPr>
-          <p:cNvPr name="Picture 5" id="5"/>
+          <p:cNvPr id="5" name="Picture 5"/>
           <p:cNvPicPr>
-            <a:picLocks noChangeAspect="true"/>
+            <a:picLocks noChangeAspect="1"/>
           </p:cNvPicPr>
           <p:nvPr/>
         </p:nvPicPr>
         <p:blipFill>
           <a:blip r:embed="rId4"/>
-          <a:srcRect l="0" t="0" r="0" b="0"/>
+          <a:srcRect/>
           <a:stretch>
             <a:fillRect/>
           </a:stretch>
         </p:blipFill>
         <p:spPr>
-          <a:xfrm flipH="false" flipV="false" rot="9778037">
+          <a:xfrm rot="9778037">
             <a:off x="-1157878" y="5597543"/>
             <a:ext cx="1864991" cy="932496"/>
           </a:xfrm>
@@ -5403,12 +5420,12 @@
       </p:pic>
       <p:sp>
         <p:nvSpPr>
-          <p:cNvPr name="AutoShape 6" id="6"/>
+          <p:cNvPr id="6" name="AutoShape 6"/>
           <p:cNvSpPr/>
           <p:nvPr/>
         </p:nvSpPr>
         <p:spPr>
-          <a:xfrm rot="0">
+          <a:xfrm>
             <a:off x="9144000" y="5143500"/>
             <a:ext cx="9144000" cy="5143500"/>
           </a:xfrm>
@@ -5422,12 +5439,12 @@
       </p:sp>
       <p:sp>
         <p:nvSpPr>
-          <p:cNvPr name="TextBox 7" id="7"/>
-          <p:cNvSpPr txBox="true"/>
+          <p:cNvPr id="7" name="TextBox 7"/>
+          <p:cNvSpPr txBox="1"/>
           <p:nvPr/>
         </p:nvSpPr>
         <p:spPr>
-          <a:xfrm rot="0">
+          <a:xfrm>
             <a:off x="7293789" y="1332819"/>
             <a:ext cx="1440914" cy="1068740"/>
           </a:xfrm>
@@ -5436,7 +5453,7 @@
           </a:prstGeom>
         </p:spPr>
         <p:txBody>
-          <a:bodyPr anchor="t" rtlCol="false" tIns="0" lIns="0" bIns="0" rIns="0">
+          <a:bodyPr lIns="0" tIns="0" rIns="0" bIns="0" rtlCol="0" anchor="t">
             <a:spAutoFit/>
           </a:bodyPr>
           <a:lstStyle/>
@@ -5460,12 +5477,12 @@
       </p:sp>
       <p:sp>
         <p:nvSpPr>
-          <p:cNvPr name="TextBox 8" id="8"/>
-          <p:cNvSpPr txBox="true"/>
+          <p:cNvPr id="8" name="TextBox 8"/>
+          <p:cNvSpPr txBox="1"/>
           <p:nvPr/>
         </p:nvSpPr>
         <p:spPr>
-          <a:xfrm rot="0">
+          <a:xfrm>
             <a:off x="16756291" y="6451429"/>
             <a:ext cx="1440914" cy="1068740"/>
           </a:xfrm>
@@ -5474,7 +5491,7 @@
           </a:prstGeom>
         </p:spPr>
         <p:txBody>
-          <a:bodyPr anchor="t" rtlCol="false" tIns="0" lIns="0" bIns="0" rIns="0">
+          <a:bodyPr lIns="0" tIns="0" rIns="0" bIns="0" rtlCol="0" anchor="t">
             <a:spAutoFit/>
           </a:bodyPr>
           <a:lstStyle/>
@@ -5498,12 +5515,12 @@
       </p:sp>
       <p:grpSp>
         <p:nvGrpSpPr>
-          <p:cNvPr name="Group 9" id="9"/>
+          <p:cNvPr id="9" name="Group 9"/>
           <p:cNvGrpSpPr/>
           <p:nvPr/>
         </p:nvGrpSpPr>
         <p:grpSpPr>
-          <a:xfrm rot="0">
+          <a:xfrm>
             <a:off x="772407" y="1028700"/>
             <a:ext cx="6835410" cy="3120349"/>
             <a:chOff x="0" y="0"/>
@@ -5512,12 +5529,12 @@
         </p:grpSpPr>
         <p:sp>
           <p:nvSpPr>
-            <p:cNvPr name="TextBox 10" id="10"/>
-            <p:cNvSpPr txBox="true"/>
+            <p:cNvPr id="10" name="TextBox 10"/>
+            <p:cNvSpPr txBox="1"/>
             <p:nvPr/>
           </p:nvSpPr>
           <p:spPr>
-            <a:xfrm rot="0">
+            <a:xfrm>
               <a:off x="0" y="-76200"/>
               <a:ext cx="9113880" cy="685800"/>
             </a:xfrm>
@@ -5526,7 +5543,7 @@
             </a:prstGeom>
           </p:spPr>
           <p:txBody>
-            <a:bodyPr anchor="t" rtlCol="false" tIns="0" lIns="0" bIns="0" rIns="0">
+            <a:bodyPr lIns="0" tIns="0" rIns="0" bIns="0" rtlCol="0" anchor="t">
               <a:spAutoFit/>
             </a:bodyPr>
             <a:lstStyle/>
@@ -5550,12 +5567,12 @@
         </p:sp>
         <p:sp>
           <p:nvSpPr>
-            <p:cNvPr name="TextBox 11" id="11"/>
-            <p:cNvSpPr txBox="true"/>
+            <p:cNvPr id="11" name="TextBox 11"/>
+            <p:cNvSpPr txBox="1"/>
             <p:nvPr/>
           </p:nvSpPr>
           <p:spPr>
-            <a:xfrm rot="0">
+            <a:xfrm>
               <a:off x="0" y="858042"/>
               <a:ext cx="9113880" cy="3302423"/>
             </a:xfrm>
@@ -5564,7 +5581,7 @@
             </a:prstGeom>
           </p:spPr>
           <p:txBody>
-            <a:bodyPr anchor="t" rtlCol="false" tIns="0" lIns="0" bIns="0" rIns="0">
+            <a:bodyPr lIns="0" tIns="0" rIns="0" bIns="0" rtlCol="0" anchor="t">
               <a:spAutoFit/>
             </a:bodyPr>
             <a:lstStyle/>
@@ -5589,12 +5606,12 @@
       </p:grpSp>
       <p:grpSp>
         <p:nvGrpSpPr>
-          <p:cNvPr name="Group 12" id="12"/>
+          <p:cNvPr id="12" name="Group 12"/>
           <p:cNvGrpSpPr/>
           <p:nvPr/>
         </p:nvGrpSpPr>
         <p:grpSpPr>
-          <a:xfrm rot="0">
+          <a:xfrm>
             <a:off x="10084077" y="5655459"/>
             <a:ext cx="6814426" cy="4423110"/>
             <a:chOff x="0" y="0"/>
@@ -5603,12 +5620,12 @@
         </p:grpSpPr>
         <p:sp>
           <p:nvSpPr>
-            <p:cNvPr name="TextBox 13" id="13"/>
-            <p:cNvSpPr txBox="true"/>
+            <p:cNvPr id="13" name="TextBox 13"/>
+            <p:cNvSpPr txBox="1"/>
             <p:nvPr/>
           </p:nvSpPr>
           <p:spPr>
-            <a:xfrm rot="0">
+            <a:xfrm>
               <a:off x="0" y="-66675"/>
               <a:ext cx="9085901" cy="647900"/>
             </a:xfrm>
@@ -5617,7 +5634,7 @@
             </a:prstGeom>
           </p:spPr>
           <p:txBody>
-            <a:bodyPr anchor="t" rtlCol="false" tIns="0" lIns="0" bIns="0" rIns="0">
+            <a:bodyPr lIns="0" tIns="0" rIns="0" bIns="0" rtlCol="0" anchor="t">
               <a:spAutoFit/>
             </a:bodyPr>
             <a:lstStyle/>
@@ -5641,12 +5658,12 @@
         </p:sp>
         <p:sp>
           <p:nvSpPr>
-            <p:cNvPr name="TextBox 14" id="14"/>
-            <p:cNvSpPr txBox="true"/>
+            <p:cNvPr id="14" name="TextBox 14"/>
+            <p:cNvSpPr txBox="1"/>
             <p:nvPr/>
           </p:nvSpPr>
           <p:spPr>
-            <a:xfrm rot="0">
+            <a:xfrm>
               <a:off x="0" y="823195"/>
               <a:ext cx="9085901" cy="5074285"/>
             </a:xfrm>
@@ -5655,7 +5672,7 @@
             </a:prstGeom>
           </p:spPr>
           <p:txBody>
-            <a:bodyPr anchor="t" rtlCol="false" tIns="0" lIns="0" bIns="0" rIns="0">
+            <a:bodyPr lIns="0" tIns="0" rIns="0" bIns="0" rtlCol="0" anchor="t">
               <a:spAutoFit/>
             </a:bodyPr>
             <a:lstStyle/>
@@ -5680,12 +5697,12 @@
       </p:grpSp>
       <p:sp>
         <p:nvSpPr>
-          <p:cNvPr name="TextBox 15" id="15"/>
-          <p:cNvSpPr txBox="true"/>
+          <p:cNvPr id="15" name="TextBox 15"/>
+          <p:cNvSpPr txBox="1"/>
           <p:nvPr/>
         </p:nvSpPr>
         <p:spPr>
-          <a:xfrm rot="0">
+          <a:xfrm>
             <a:off x="16756291" y="1332819"/>
             <a:ext cx="1440914" cy="1068740"/>
           </a:xfrm>
@@ -5694,7 +5711,7 @@
           </a:prstGeom>
         </p:spPr>
         <p:txBody>
-          <a:bodyPr anchor="t" rtlCol="false" tIns="0" lIns="0" bIns="0" rIns="0">
+          <a:bodyPr lIns="0" tIns="0" rIns="0" bIns="0" rtlCol="0" anchor="t">
             <a:spAutoFit/>
           </a:bodyPr>
           <a:lstStyle/>
@@ -5718,12 +5735,12 @@
       </p:sp>
       <p:sp>
         <p:nvSpPr>
-          <p:cNvPr name="TextBox 16" id="16"/>
-          <p:cNvSpPr txBox="true"/>
+          <p:cNvPr id="16" name="TextBox 16"/>
+          <p:cNvSpPr txBox="1"/>
           <p:nvPr/>
         </p:nvSpPr>
         <p:spPr>
-          <a:xfrm rot="0">
+          <a:xfrm>
             <a:off x="7293789" y="6451429"/>
             <a:ext cx="1440914" cy="1068740"/>
           </a:xfrm>
@@ -5732,7 +5749,7 @@
           </a:prstGeom>
         </p:spPr>
         <p:txBody>
-          <a:bodyPr anchor="t" rtlCol="false" tIns="0" lIns="0" bIns="0" rIns="0">
+          <a:bodyPr lIns="0" tIns="0" rIns="0" bIns="0" rtlCol="0" anchor="t">
             <a:spAutoFit/>
           </a:bodyPr>
           <a:lstStyle/>
@@ -5756,12 +5773,12 @@
       </p:sp>
       <p:grpSp>
         <p:nvGrpSpPr>
-          <p:cNvPr name="Group 17" id="17"/>
+          <p:cNvPr id="17" name="Group 17"/>
           <p:cNvGrpSpPr/>
           <p:nvPr/>
         </p:nvGrpSpPr>
         <p:grpSpPr>
-          <a:xfrm rot="0">
+          <a:xfrm>
             <a:off x="10084077" y="1028700"/>
             <a:ext cx="6814426" cy="2625049"/>
             <a:chOff x="0" y="0"/>
@@ -5770,12 +5787,12 @@
         </p:grpSpPr>
         <p:sp>
           <p:nvSpPr>
-            <p:cNvPr name="TextBox 18" id="18"/>
-            <p:cNvSpPr txBox="true"/>
+            <p:cNvPr id="18" name="TextBox 18"/>
+            <p:cNvSpPr txBox="1"/>
             <p:nvPr/>
           </p:nvSpPr>
           <p:spPr>
-            <a:xfrm rot="0">
+            <a:xfrm>
               <a:off x="0" y="-76200"/>
               <a:ext cx="9085901" cy="685800"/>
             </a:xfrm>
@@ -5784,7 +5801,7 @@
             </a:prstGeom>
           </p:spPr>
           <p:txBody>
-            <a:bodyPr anchor="t" rtlCol="false" tIns="0" lIns="0" bIns="0" rIns="0">
+            <a:bodyPr lIns="0" tIns="0" rIns="0" bIns="0" rtlCol="0" anchor="t">
               <a:spAutoFit/>
             </a:bodyPr>
             <a:lstStyle/>
@@ -5808,12 +5825,12 @@
         </p:sp>
         <p:sp>
           <p:nvSpPr>
-            <p:cNvPr name="TextBox 19" id="19"/>
-            <p:cNvSpPr txBox="true"/>
+            <p:cNvPr id="19" name="TextBox 19"/>
+            <p:cNvSpPr txBox="1"/>
             <p:nvPr/>
           </p:nvSpPr>
           <p:spPr>
-            <a:xfrm rot="0">
+            <a:xfrm>
               <a:off x="0" y="858042"/>
               <a:ext cx="9085901" cy="2642023"/>
             </a:xfrm>
@@ -5822,7 +5839,7 @@
             </a:prstGeom>
           </p:spPr>
           <p:txBody>
-            <a:bodyPr anchor="t" rtlCol="false" tIns="0" lIns="0" bIns="0" rIns="0">
+            <a:bodyPr lIns="0" tIns="0" rIns="0" bIns="0" rtlCol="0" anchor="t">
               <a:spAutoFit/>
             </a:bodyPr>
             <a:lstStyle/>
@@ -5847,12 +5864,12 @@
       </p:grpSp>
       <p:grpSp>
         <p:nvGrpSpPr>
-          <p:cNvPr name="Group 20" id="20"/>
+          <p:cNvPr id="20" name="Group 20"/>
           <p:cNvGrpSpPr/>
           <p:nvPr/>
         </p:nvGrpSpPr>
         <p:grpSpPr>
-          <a:xfrm rot="0">
+          <a:xfrm>
             <a:off x="772407" y="5655459"/>
             <a:ext cx="6835410" cy="4559944"/>
             <a:chOff x="0" y="0"/>
@@ -5861,12 +5878,12 @@
         </p:grpSpPr>
         <p:sp>
           <p:nvSpPr>
-            <p:cNvPr name="TextBox 21" id="21"/>
-            <p:cNvSpPr txBox="true"/>
+            <p:cNvPr id="21" name="TextBox 21"/>
+            <p:cNvSpPr txBox="1"/>
             <p:nvPr/>
           </p:nvSpPr>
           <p:spPr>
-            <a:xfrm rot="0">
+            <a:xfrm>
               <a:off x="0" y="-66675"/>
               <a:ext cx="9113880" cy="636794"/>
             </a:xfrm>
@@ -5875,7 +5892,7 @@
             </a:prstGeom>
           </p:spPr>
           <p:txBody>
-            <a:bodyPr anchor="t" rtlCol="false" tIns="0" lIns="0" bIns="0" rIns="0">
+            <a:bodyPr lIns="0" tIns="0" rIns="0" bIns="0" rtlCol="0" anchor="t">
               <a:spAutoFit/>
             </a:bodyPr>
             <a:lstStyle/>
@@ -5899,12 +5916,12 @@
         </p:sp>
         <p:sp>
           <p:nvSpPr>
-            <p:cNvPr name="TextBox 22" id="22"/>
-            <p:cNvSpPr txBox="true"/>
+            <p:cNvPr id="22" name="TextBox 22"/>
+            <p:cNvSpPr txBox="1"/>
             <p:nvPr/>
           </p:nvSpPr>
           <p:spPr>
-            <a:xfrm rot="0">
+            <a:xfrm>
               <a:off x="0" y="796302"/>
               <a:ext cx="9113880" cy="5283623"/>
             </a:xfrm>
@@ -5913,7 +5930,7 @@
             </a:prstGeom>
           </p:spPr>
           <p:txBody>
-            <a:bodyPr anchor="t" rtlCol="false" tIns="0" lIns="0" bIns="0" rIns="0">
+            <a:bodyPr lIns="0" tIns="0" rIns="0" bIns="0" rtlCol="0" anchor="t">
               <a:spAutoFit/>
             </a:bodyPr>
             <a:lstStyle/>
@@ -5938,21 +5955,21 @@
       </p:grpSp>
       <p:pic>
         <p:nvPicPr>
-          <p:cNvPr name="Picture 23" id="23"/>
+          <p:cNvPr id="23" name="Picture 23"/>
           <p:cNvPicPr>
-            <a:picLocks noChangeAspect="true"/>
+            <a:picLocks noChangeAspect="1"/>
           </p:cNvPicPr>
           <p:nvPr/>
         </p:nvPicPr>
         <p:blipFill>
           <a:blip r:embed="rId5"/>
-          <a:srcRect l="0" t="0" r="0" b="0"/>
+          <a:srcRect/>
           <a:stretch>
             <a:fillRect/>
           </a:stretch>
         </p:blipFill>
         <p:spPr>
-          <a:xfrm flipH="false" flipV="false" rot="1030328">
+          <a:xfrm rot="1030328">
             <a:off x="6186289" y="8709738"/>
             <a:ext cx="2215000" cy="2351834"/>
           </a:xfrm>
@@ -5963,14 +5980,14 @@
       </p:pic>
       <p:grpSp>
         <p:nvGrpSpPr>
-          <p:cNvPr name="Group 24" id="24"/>
+          <p:cNvPr id="24" name="Group 24"/>
           <p:cNvGrpSpPr>
-            <a:grpSpLocks noChangeAspect="true"/>
+            <a:grpSpLocks noChangeAspect="1"/>
           </p:cNvGrpSpPr>
           <p:nvPr/>
         </p:nvGrpSpPr>
         <p:grpSpPr>
-          <a:xfrm rot="0">
+          <a:xfrm>
             <a:off x="16538843" y="9927340"/>
             <a:ext cx="719320" cy="719320"/>
             <a:chOff x="0" y="0"/>
@@ -5979,7 +5996,7 @@
         </p:grpSpPr>
         <p:sp>
           <p:nvSpPr>
-            <p:cNvPr name="Freeform 25" id="25"/>
+            <p:cNvPr id="25" name="Freeform 25"/>
             <p:cNvSpPr/>
             <p:nvPr/>
           </p:nvSpPr>
@@ -5993,9 +6010,9 @@
               <a:gdLst/>
               <a:ahLst/>
               <a:cxnLst/>
-              <a:rect r="r" b="b" t="t" l="l"/>
+              <a:rect l="l" t="t" r="r" b="b"/>
               <a:pathLst>
-                <a:path h="6355080" w="6355080">
+                <a:path w="6355080" h="6355080">
                   <a:moveTo>
                     <a:pt x="3177540" y="6355080"/>
                   </a:moveTo>
@@ -6095,14 +6112,14 @@
       </p:grpSp>
       <p:grpSp>
         <p:nvGrpSpPr>
-          <p:cNvPr name="Group 26" id="26"/>
+          <p:cNvPr id="26" name="Group 26"/>
           <p:cNvGrpSpPr>
-            <a:grpSpLocks noChangeAspect="true"/>
+            <a:grpSpLocks noChangeAspect="1"/>
           </p:cNvGrpSpPr>
           <p:nvPr/>
         </p:nvGrpSpPr>
         <p:grpSpPr>
-          <a:xfrm rot="0">
+          <a:xfrm>
             <a:off x="-355927" y="478091"/>
             <a:ext cx="711853" cy="711853"/>
             <a:chOff x="0" y="0"/>
@@ -6111,7 +6128,7 @@
         </p:grpSpPr>
         <p:sp>
           <p:nvSpPr>
-            <p:cNvPr name="Freeform 27" id="27"/>
+            <p:cNvPr id="27" name="Freeform 27"/>
             <p:cNvSpPr/>
             <p:nvPr/>
           </p:nvSpPr>
@@ -6125,9 +6142,9 @@
               <a:gdLst/>
               <a:ahLst/>
               <a:cxnLst/>
-              <a:rect r="r" b="b" t="t" l="l"/>
+              <a:rect l="l" t="t" r="r" b="b"/>
               <a:pathLst>
-                <a:path h="6355080" w="6355080">
+                <a:path w="6355080" h="6355080">
                   <a:moveTo>
                     <a:pt x="3177540" y="6355080"/>
                   </a:moveTo>
@@ -6227,7 +6244,7 @@
       </p:grpSp>
       <p:grpSp>
         <p:nvGrpSpPr>
-          <p:cNvPr name="Group 28" id="28"/>
+          <p:cNvPr id="28" name="Group 28"/>
           <p:cNvGrpSpPr/>
           <p:nvPr/>
         </p:nvGrpSpPr>
@@ -6241,7 +6258,7 @@
         </p:grpSpPr>
         <p:sp>
           <p:nvSpPr>
-            <p:cNvPr name="Freeform 29" id="29"/>
+            <p:cNvPr id="29" name="Freeform 29"/>
             <p:cNvSpPr/>
             <p:nvPr/>
           </p:nvSpPr>
@@ -6255,9 +6272,9 @@
               <a:gdLst/>
               <a:ahLst/>
               <a:cxnLst/>
-              <a:rect r="r" b="b" t="t" l="l"/>
+              <a:rect l="l" t="t" r="r" b="b"/>
               <a:pathLst>
-                <a:path h="1297940" w="1930400">
+                <a:path w="1930400" h="1297940">
                   <a:moveTo>
                     <a:pt x="0" y="0"/>
                   </a:moveTo>
@@ -6279,7 +6296,7 @@
       </p:grpSp>
       <p:grpSp>
         <p:nvGrpSpPr>
-          <p:cNvPr name="Group 30" id="30"/>
+          <p:cNvPr id="30" name="Group 30"/>
           <p:cNvGrpSpPr/>
           <p:nvPr/>
         </p:nvGrpSpPr>
@@ -6293,7 +6310,7 @@
         </p:grpSpPr>
         <p:sp>
           <p:nvSpPr>
-            <p:cNvPr name="Freeform 31" id="31"/>
+            <p:cNvPr id="31" name="Freeform 31"/>
             <p:cNvSpPr/>
             <p:nvPr/>
           </p:nvSpPr>
@@ -6307,9 +6324,9 @@
               <a:gdLst/>
               <a:ahLst/>
               <a:cxnLst/>
-              <a:rect r="r" b="b" t="t" l="l"/>
+              <a:rect l="l" t="t" r="r" b="b"/>
               <a:pathLst>
-                <a:path h="1297940" w="1930400">
+                <a:path w="1930400" h="1297940">
                   <a:moveTo>
                     <a:pt x="0" y="0"/>
                   </a:moveTo>
@@ -6338,13 +6355,14 @@
 </file>
 
 <file path=ppt/slides/slide15.xml><?xml version="1.0" encoding="utf-8"?>
-<p:sld xmlns:p="http://schemas.openxmlformats.org/presentationml/2006/main" xmlns:a="http://schemas.openxmlformats.org/drawingml/2006/main" xmlns:r="http://schemas.openxmlformats.org/officeDocument/2006/relationships">
+<p:sld xmlns:a="http://schemas.openxmlformats.org/drawingml/2006/main" xmlns:r="http://schemas.openxmlformats.org/officeDocument/2006/relationships" xmlns:p="http://schemas.openxmlformats.org/presentationml/2006/main">
   <p:cSld>
     <p:bg>
       <p:bgPr>
         <a:solidFill>
           <a:srgbClr val="F6F6F6"/>
         </a:solidFill>
+        <a:effectLst/>
       </p:bgPr>
     </p:bg>
     <p:spTree>
@@ -6363,12 +6381,12 @@
       </p:grpSpPr>
       <p:sp>
         <p:nvSpPr>
-          <p:cNvPr name="TextBox 2" id="2"/>
-          <p:cNvSpPr txBox="true"/>
+          <p:cNvPr id="2" name="TextBox 2"/>
+          <p:cNvSpPr txBox="1"/>
           <p:nvPr/>
         </p:nvSpPr>
         <p:spPr>
-          <a:xfrm rot="0">
+          <a:xfrm>
             <a:off x="2413248" y="213772"/>
             <a:ext cx="13461504" cy="2798445"/>
           </a:xfrm>
@@ -6377,7 +6395,7 @@
           </a:prstGeom>
         </p:spPr>
         <p:txBody>
-          <a:bodyPr anchor="t" rtlCol="false" tIns="0" lIns="0" bIns="0" rIns="0">
+          <a:bodyPr lIns="0" tIns="0" rIns="0" bIns="0" rtlCol="0" anchor="t">
             <a:spAutoFit/>
           </a:bodyPr>
           <a:lstStyle/>
@@ -6401,14 +6419,14 @@
       </p:sp>
       <p:grpSp>
         <p:nvGrpSpPr>
-          <p:cNvPr name="Group 3" id="3"/>
+          <p:cNvPr id="3" name="Group 3"/>
           <p:cNvGrpSpPr>
-            <a:grpSpLocks noChangeAspect="true"/>
+            <a:grpSpLocks noChangeAspect="1"/>
           </p:cNvGrpSpPr>
           <p:nvPr/>
         </p:nvGrpSpPr>
         <p:grpSpPr>
-          <a:xfrm rot="0">
+          <a:xfrm>
             <a:off x="16535455" y="8614709"/>
             <a:ext cx="495300" cy="495300"/>
             <a:chOff x="0" y="0"/>
@@ -6417,7 +6435,7 @@
         </p:grpSpPr>
         <p:sp>
           <p:nvSpPr>
-            <p:cNvPr name="Freeform 4" id="4"/>
+            <p:cNvPr id="4" name="Freeform 4"/>
             <p:cNvSpPr/>
             <p:nvPr/>
           </p:nvSpPr>
@@ -6431,9 +6449,9 @@
               <a:gdLst/>
               <a:ahLst/>
               <a:cxnLst/>
-              <a:rect r="r" b="b" t="t" l="l"/>
+              <a:rect l="l" t="t" r="r" b="b"/>
               <a:pathLst>
-                <a:path h="6355080" w="6355080">
+                <a:path w="6355080" h="6355080">
                   <a:moveTo>
                     <a:pt x="3177540" y="6355080"/>
                   </a:moveTo>
@@ -6533,21 +6551,21 @@
       </p:grpSp>
       <p:pic>
         <p:nvPicPr>
-          <p:cNvPr name="Picture 5" id="5"/>
+          <p:cNvPr id="5" name="Picture 5"/>
           <p:cNvPicPr>
-            <a:picLocks noChangeAspect="true"/>
+            <a:picLocks noChangeAspect="1"/>
           </p:cNvPicPr>
           <p:nvPr/>
         </p:nvPicPr>
         <p:blipFill>
           <a:blip r:embed="rId2"/>
-          <a:srcRect l="0" t="0" r="0" b="0"/>
+          <a:srcRect/>
           <a:stretch>
             <a:fillRect/>
           </a:stretch>
         </p:blipFill>
         <p:spPr>
-          <a:xfrm flipH="false" flipV="false" rot="1694643">
+          <a:xfrm rot="1694643">
             <a:off x="16059100" y="1532083"/>
             <a:ext cx="3136394" cy="1568197"/>
           </a:xfrm>
@@ -6558,7 +6576,7 @@
       </p:pic>
       <p:grpSp>
         <p:nvGrpSpPr>
-          <p:cNvPr name="Group 6" id="6"/>
+          <p:cNvPr id="6" name="Group 6"/>
           <p:cNvGrpSpPr/>
           <p:nvPr/>
         </p:nvGrpSpPr>
@@ -6572,7 +6590,7 @@
         </p:grpSpPr>
         <p:sp>
           <p:nvSpPr>
-            <p:cNvPr name="Freeform 7" id="7"/>
+            <p:cNvPr id="7" name="Freeform 7"/>
             <p:cNvSpPr/>
             <p:nvPr/>
           </p:nvSpPr>
@@ -6586,9 +6604,9 @@
               <a:gdLst/>
               <a:ahLst/>
               <a:cxnLst/>
-              <a:rect r="r" b="b" t="t" l="l"/>
+              <a:rect l="l" t="t" r="r" b="b"/>
               <a:pathLst>
-                <a:path h="1297940" w="1930400">
+                <a:path w="1930400" h="1297940">
                   <a:moveTo>
                     <a:pt x="0" y="0"/>
                   </a:moveTo>
@@ -6610,12 +6628,12 @@
       </p:grpSp>
       <p:sp>
         <p:nvSpPr>
-          <p:cNvPr name="TextBox 8" id="8"/>
-          <p:cNvSpPr txBox="true"/>
+          <p:cNvPr id="8" name="TextBox 8"/>
+          <p:cNvSpPr txBox="1"/>
           <p:nvPr/>
         </p:nvSpPr>
         <p:spPr>
-          <a:xfrm rot="0">
+          <a:xfrm>
             <a:off x="1542126" y="3672840"/>
             <a:ext cx="15203748" cy="4457700"/>
           </a:xfrm>
@@ -6624,12 +6642,12 @@
           </a:prstGeom>
         </p:spPr>
         <p:txBody>
-          <a:bodyPr anchor="t" rtlCol="false" tIns="0" lIns="0" bIns="0" rIns="0">
+          <a:bodyPr lIns="0" tIns="0" rIns="0" bIns="0" rtlCol="0" anchor="t">
             <a:spAutoFit/>
           </a:bodyPr>
           <a:lstStyle/>
           <a:p>
-            <a:pPr marL="1554480" indent="-777240" lvl="1">
+            <a:pPr marL="1554480" lvl="1" indent="-777240">
               <a:lnSpc>
                 <a:spcPts val="8640"/>
               </a:lnSpc>
@@ -6647,7 +6665,7 @@
             </a:r>
           </a:p>
           <a:p>
-            <a:pPr marL="1554480" indent="-777240" lvl="1">
+            <a:pPr marL="1554480" lvl="1" indent="-777240">
               <a:lnSpc>
                 <a:spcPts val="8640"/>
               </a:lnSpc>
@@ -6665,7 +6683,7 @@
             </a:r>
           </a:p>
           <a:p>
-            <a:pPr marL="1554480" indent="-777240" lvl="1">
+            <a:pPr marL="1554480" lvl="1" indent="-777240">
               <a:lnSpc>
                 <a:spcPts val="8640"/>
               </a:lnSpc>
@@ -6693,13 +6711,14 @@
 </file>
 
 <file path=ppt/slides/slide16.xml><?xml version="1.0" encoding="utf-8"?>
-<p:sld xmlns:p="http://schemas.openxmlformats.org/presentationml/2006/main" xmlns:a="http://schemas.openxmlformats.org/drawingml/2006/main" xmlns:r="http://schemas.openxmlformats.org/officeDocument/2006/relationships">
+<p:sld xmlns:a="http://schemas.openxmlformats.org/drawingml/2006/main" xmlns:r="http://schemas.openxmlformats.org/officeDocument/2006/relationships" xmlns:p="http://schemas.openxmlformats.org/presentationml/2006/main">
   <p:cSld>
     <p:bg>
       <p:bgPr>
         <a:solidFill>
           <a:srgbClr val="F4592F"/>
         </a:solidFill>
+        <a:effectLst/>
       </p:bgPr>
     </p:bg>
     <p:spTree>
@@ -6718,12 +6737,12 @@
       </p:grpSpPr>
       <p:grpSp>
         <p:nvGrpSpPr>
-          <p:cNvPr name="Group 2" id="2"/>
+          <p:cNvPr id="2" name="Group 2"/>
           <p:cNvGrpSpPr/>
           <p:nvPr/>
         </p:nvGrpSpPr>
         <p:grpSpPr>
-          <a:xfrm rot="0">
+          <a:xfrm>
             <a:off x="9788511" y="841041"/>
             <a:ext cx="9144000" cy="8604917"/>
             <a:chOff x="0" y="0"/>
@@ -6732,12 +6751,12 @@
         </p:grpSpPr>
         <p:sp>
           <p:nvSpPr>
-            <p:cNvPr name="TextBox 3" id="3"/>
-            <p:cNvSpPr txBox="true"/>
+            <p:cNvPr id="3" name="TextBox 3"/>
+            <p:cNvSpPr txBox="1"/>
             <p:nvPr/>
           </p:nvSpPr>
           <p:spPr>
-            <a:xfrm rot="0">
+            <a:xfrm>
               <a:off x="85089" y="-9525"/>
               <a:ext cx="12105794" cy="5506085"/>
             </a:xfrm>
@@ -6746,7 +6765,7 @@
             </a:prstGeom>
           </p:spPr>
           <p:txBody>
-            <a:bodyPr anchor="t" rtlCol="false" tIns="0" lIns="0" bIns="0" rIns="0">
+            <a:bodyPr lIns="0" tIns="0" rIns="0" bIns="0" rtlCol="0" anchor="t">
               <a:spAutoFit/>
             </a:bodyPr>
             <a:lstStyle/>
@@ -6770,12 +6789,12 @@
         </p:sp>
         <p:sp>
           <p:nvSpPr>
-            <p:cNvPr name="TextBox 4" id="4"/>
-            <p:cNvSpPr txBox="true"/>
+            <p:cNvPr id="4" name="TextBox 4"/>
+            <p:cNvSpPr txBox="1"/>
             <p:nvPr/>
           </p:nvSpPr>
           <p:spPr>
-            <a:xfrm rot="0">
+            <a:xfrm>
               <a:off x="0" y="5831883"/>
               <a:ext cx="12192000" cy="5641340"/>
             </a:xfrm>
@@ -6784,12 +6803,12 @@
             </a:prstGeom>
           </p:spPr>
           <p:txBody>
-            <a:bodyPr anchor="t" rtlCol="false" tIns="0" lIns="0" bIns="0" rIns="0">
+            <a:bodyPr lIns="0" tIns="0" rIns="0" bIns="0" rtlCol="0" anchor="t">
               <a:spAutoFit/>
             </a:bodyPr>
             <a:lstStyle/>
             <a:p>
-              <a:pPr marL="1036320" indent="-518160" lvl="1">
+              <a:pPr marL="1036320" lvl="1" indent="-518160">
                 <a:lnSpc>
                   <a:spcPts val="6719"/>
                 </a:lnSpc>
@@ -6807,7 +6826,7 @@
               </a:r>
             </a:p>
             <a:p>
-              <a:pPr marL="1036320" indent="-518160" lvl="1">
+              <a:pPr marL="1036320" lvl="1" indent="-518160">
                 <a:lnSpc>
                   <a:spcPts val="6719"/>
                 </a:lnSpc>
@@ -6825,7 +6844,7 @@
               </a:r>
             </a:p>
             <a:p>
-              <a:pPr marL="1036320" indent="-518160" lvl="1">
+              <a:pPr marL="1036320" lvl="1" indent="-518160">
                 <a:lnSpc>
                   <a:spcPts val="6719"/>
                 </a:lnSpc>
@@ -6843,7 +6862,7 @@
               </a:r>
             </a:p>
             <a:p>
-              <a:pPr marL="1036320" indent="-518160" lvl="1">
+              <a:pPr marL="1036320" lvl="1" indent="-518160">
                 <a:lnSpc>
                   <a:spcPts val="6719"/>
                 </a:lnSpc>
@@ -6865,9 +6884,9 @@
       </p:grpSp>
       <p:pic>
         <p:nvPicPr>
-          <p:cNvPr name="Picture 5" id="5"/>
+          <p:cNvPr id="5" name="Picture 5"/>
           <p:cNvPicPr>
-            <a:picLocks noChangeAspect="true"/>
+            <a:picLocks noChangeAspect="1"/>
           </p:cNvPicPr>
           <p:nvPr/>
         </p:nvPicPr>
@@ -6875,13 +6894,13 @@
           <a:blip r:embed="rId2">
             <a:alphaModFix amt="19999"/>
           </a:blip>
-          <a:srcRect l="0" t="0" r="240" b="12679"/>
+          <a:srcRect r="240" b="12679"/>
           <a:stretch>
             <a:fillRect/>
           </a:stretch>
         </p:blipFill>
         <p:spPr>
-          <a:xfrm flipH="false" flipV="false" rot="0">
+          <a:xfrm>
             <a:off x="1028700" y="1143174"/>
             <a:ext cx="8463903" cy="7408549"/>
           </a:xfrm>
@@ -6892,21 +6911,21 @@
       </p:pic>
       <p:pic>
         <p:nvPicPr>
-          <p:cNvPr name="Picture 6" id="6"/>
+          <p:cNvPr id="6" name="Picture 6"/>
           <p:cNvPicPr>
-            <a:picLocks noChangeAspect="true"/>
+            <a:picLocks noChangeAspect="1"/>
           </p:cNvPicPr>
           <p:nvPr/>
         </p:nvPicPr>
         <p:blipFill>
           <a:blip r:embed="rId3"/>
-          <a:srcRect l="0" t="0" r="0" b="0"/>
+          <a:srcRect/>
           <a:stretch>
             <a:fillRect/>
           </a:stretch>
         </p:blipFill>
         <p:spPr>
-          <a:xfrm flipH="false" flipV="false" rot="0">
+          <a:xfrm>
             <a:off x="2340225" y="1028700"/>
             <a:ext cx="5446499" cy="8229600"/>
           </a:xfrm>
@@ -6917,14 +6936,14 @@
       </p:pic>
       <p:grpSp>
         <p:nvGrpSpPr>
-          <p:cNvPr name="Group 7" id="7"/>
+          <p:cNvPr id="7" name="Group 7"/>
           <p:cNvGrpSpPr>
-            <a:grpSpLocks noChangeAspect="true"/>
+            <a:grpSpLocks noChangeAspect="1"/>
           </p:cNvGrpSpPr>
           <p:nvPr/>
         </p:nvGrpSpPr>
         <p:grpSpPr>
-          <a:xfrm rot="0">
+          <a:xfrm>
             <a:off x="1422635" y="5143500"/>
             <a:ext cx="495300" cy="495300"/>
             <a:chOff x="0" y="0"/>
@@ -6933,7 +6952,7 @@
         </p:grpSpPr>
         <p:sp>
           <p:nvSpPr>
-            <p:cNvPr name="Freeform 8" id="8"/>
+            <p:cNvPr id="8" name="Freeform 8"/>
             <p:cNvSpPr/>
             <p:nvPr/>
           </p:nvSpPr>
@@ -6947,9 +6966,9 @@
               <a:gdLst/>
               <a:ahLst/>
               <a:cxnLst/>
-              <a:rect r="r" b="b" t="t" l="l"/>
+              <a:rect l="l" t="t" r="r" b="b"/>
               <a:pathLst>
-                <a:path h="6355080" w="6355080">
+                <a:path w="6355080" h="6355080">
                   <a:moveTo>
                     <a:pt x="3177540" y="6355080"/>
                   </a:moveTo>
@@ -7049,21 +7068,21 @@
       </p:grpSp>
       <p:pic>
         <p:nvPicPr>
-          <p:cNvPr name="Picture 9" id="9"/>
+          <p:cNvPr id="9" name="Picture 9"/>
           <p:cNvPicPr>
-            <a:picLocks noChangeAspect="true"/>
+            <a:picLocks noChangeAspect="1"/>
           </p:cNvPicPr>
           <p:nvPr/>
         </p:nvPicPr>
         <p:blipFill>
           <a:blip r:embed="rId4"/>
-          <a:srcRect l="0" t="0" r="0" b="0"/>
+          <a:srcRect/>
           <a:stretch>
             <a:fillRect/>
           </a:stretch>
         </p:blipFill>
         <p:spPr>
-          <a:xfrm flipH="false" flipV="false" rot="665562">
+          <a:xfrm rot="665562">
             <a:off x="8097413" y="7168663"/>
             <a:ext cx="1343134" cy="671567"/>
           </a:xfrm>
@@ -7081,13 +7100,14 @@
 </file>
 
 <file path=ppt/slides/slide17.xml><?xml version="1.0" encoding="utf-8"?>
-<p:sld xmlns:p="http://schemas.openxmlformats.org/presentationml/2006/main" xmlns:a="http://schemas.openxmlformats.org/drawingml/2006/main" xmlns:r="http://schemas.openxmlformats.org/officeDocument/2006/relationships">
+<p:sld xmlns:a="http://schemas.openxmlformats.org/drawingml/2006/main" xmlns:r="http://schemas.openxmlformats.org/officeDocument/2006/relationships" xmlns:p="http://schemas.openxmlformats.org/presentationml/2006/main">
   <p:cSld>
     <p:bg>
       <p:bgPr>
         <a:solidFill>
           <a:srgbClr val="F8B8A7"/>
         </a:solidFill>
+        <a:effectLst/>
       </p:bgPr>
     </p:bg>
     <p:spTree>
@@ -7106,9 +7126,9 @@
       </p:grpSpPr>
       <p:pic>
         <p:nvPicPr>
-          <p:cNvPr name="Picture 2" id="2"/>
+          <p:cNvPr id="2" name="Picture 2"/>
           <p:cNvPicPr>
-            <a:picLocks noChangeAspect="true"/>
+            <a:picLocks noChangeAspect="1"/>
           </p:cNvPicPr>
           <p:nvPr/>
         </p:nvPicPr>
@@ -7116,13 +7136,13 @@
           <a:blip r:embed="rId2">
             <a:alphaModFix amt="25000"/>
           </a:blip>
-          <a:srcRect l="0" t="138" r="0" b="0"/>
+          <a:srcRect t="138"/>
           <a:stretch>
             <a:fillRect/>
           </a:stretch>
         </p:blipFill>
         <p:spPr>
-          <a:xfrm flipH="false" flipV="false" rot="3308605">
+          <a:xfrm rot="3308605">
             <a:off x="-899912" y="2152047"/>
             <a:ext cx="19471048" cy="20101909"/>
           </a:xfrm>
@@ -7133,12 +7153,12 @@
       </p:pic>
       <p:sp>
         <p:nvSpPr>
-          <p:cNvPr name="TextBox 3" id="3"/>
-          <p:cNvSpPr txBox="true"/>
+          <p:cNvPr id="3" name="TextBox 3"/>
+          <p:cNvSpPr txBox="1"/>
           <p:nvPr/>
         </p:nvSpPr>
         <p:spPr>
-          <a:xfrm rot="0">
+          <a:xfrm>
             <a:off x="736842" y="363527"/>
             <a:ext cx="16814316" cy="3661128"/>
           </a:xfrm>
@@ -7147,7 +7167,7 @@
           </a:prstGeom>
         </p:spPr>
         <p:txBody>
-          <a:bodyPr anchor="t" rtlCol="false" tIns="0" lIns="0" bIns="0" rIns="0">
+          <a:bodyPr lIns="0" tIns="0" rIns="0" bIns="0" rtlCol="0" anchor="t">
             <a:spAutoFit/>
           </a:bodyPr>
           <a:lstStyle/>
@@ -7174,21 +7194,21 @@
       </p:sp>
       <p:pic>
         <p:nvPicPr>
-          <p:cNvPr name="Picture 4" id="4"/>
+          <p:cNvPr id="4" name="Picture 4"/>
           <p:cNvPicPr>
-            <a:picLocks noChangeAspect="true"/>
+            <a:picLocks noChangeAspect="1"/>
           </p:cNvPicPr>
           <p:nvPr/>
         </p:nvPicPr>
         <p:blipFill>
           <a:blip r:embed="rId3"/>
-          <a:srcRect l="0" t="0" r="0" b="0"/>
+          <a:srcRect/>
           <a:stretch>
             <a:fillRect/>
           </a:stretch>
         </p:blipFill>
         <p:spPr>
-          <a:xfrm flipH="false" flipV="false" rot="0">
+          <a:xfrm>
             <a:off x="239218" y="4343310"/>
             <a:ext cx="17809564" cy="5053464"/>
           </a:xfrm>
@@ -7206,13 +7226,14 @@
 </file>
 
 <file path=ppt/slides/slide18.xml><?xml version="1.0" encoding="utf-8"?>
-<p:sld xmlns:p="http://schemas.openxmlformats.org/presentationml/2006/main" xmlns:a="http://schemas.openxmlformats.org/drawingml/2006/main" xmlns:r="http://schemas.openxmlformats.org/officeDocument/2006/relationships">
+<p:sld xmlns:a="http://schemas.openxmlformats.org/drawingml/2006/main" xmlns:r="http://schemas.openxmlformats.org/officeDocument/2006/relationships" xmlns:p="http://schemas.openxmlformats.org/presentationml/2006/main">
   <p:cSld>
     <p:bg>
       <p:bgPr>
         <a:solidFill>
           <a:srgbClr val="0050F5"/>
         </a:solidFill>
+        <a:effectLst/>
       </p:bgPr>
     </p:bg>
     <p:spTree>
@@ -7231,12 +7252,12 @@
       </p:grpSpPr>
       <p:grpSp>
         <p:nvGrpSpPr>
-          <p:cNvPr name="Group 2" id="2"/>
+          <p:cNvPr id="2" name="Group 2"/>
           <p:cNvGrpSpPr/>
           <p:nvPr/>
         </p:nvGrpSpPr>
         <p:grpSpPr>
-          <a:xfrm rot="0">
+          <a:xfrm>
             <a:off x="4304024" y="3656378"/>
             <a:ext cx="9679952" cy="2593244"/>
             <a:chOff x="0" y="0"/>
@@ -7245,12 +7266,12 @@
         </p:grpSpPr>
         <p:sp>
           <p:nvSpPr>
-            <p:cNvPr name="TextBox 3" id="3"/>
-            <p:cNvSpPr txBox="true"/>
+            <p:cNvPr id="3" name="TextBox 3"/>
+            <p:cNvSpPr txBox="1"/>
             <p:nvPr/>
           </p:nvSpPr>
           <p:spPr>
-            <a:xfrm rot="0">
+            <a:xfrm>
               <a:off x="0" y="190500"/>
               <a:ext cx="12906603" cy="2245360"/>
             </a:xfrm>
@@ -7259,7 +7280,7 @@
             </a:prstGeom>
           </p:spPr>
           <p:txBody>
-            <a:bodyPr anchor="t" rtlCol="false" tIns="0" lIns="0" bIns="0" rIns="0">
+            <a:bodyPr lIns="0" tIns="0" rIns="0" bIns="0" rtlCol="0" anchor="t">
               <a:spAutoFit/>
             </a:bodyPr>
             <a:lstStyle/>
@@ -7283,12 +7304,12 @@
         </p:sp>
         <p:sp>
           <p:nvSpPr>
-            <p:cNvPr name="TextBox 4" id="4"/>
-            <p:cNvSpPr txBox="true"/>
+            <p:cNvPr id="4" name="TextBox 4"/>
+            <p:cNvSpPr txBox="1"/>
             <p:nvPr/>
           </p:nvSpPr>
           <p:spPr>
-            <a:xfrm rot="0">
+            <a:xfrm>
               <a:off x="0" y="2785321"/>
               <a:ext cx="12906603" cy="672338"/>
             </a:xfrm>
@@ -7297,7 +7318,7 @@
             </a:prstGeom>
           </p:spPr>
           <p:txBody>
-            <a:bodyPr anchor="t" rtlCol="false" tIns="0" lIns="0" bIns="0" rIns="0">
+            <a:bodyPr lIns="0" tIns="0" rIns="0" bIns="0" rtlCol="0" anchor="t">
               <a:spAutoFit/>
             </a:bodyPr>
             <a:lstStyle/>
@@ -7322,14 +7343,14 @@
       </p:grpSp>
       <p:grpSp>
         <p:nvGrpSpPr>
-          <p:cNvPr name="Group 5" id="5"/>
+          <p:cNvPr id="5" name="Group 5"/>
           <p:cNvGrpSpPr>
-            <a:grpSpLocks noChangeAspect="true"/>
+            <a:grpSpLocks noChangeAspect="1"/>
           </p:cNvGrpSpPr>
           <p:nvPr/>
         </p:nvGrpSpPr>
         <p:grpSpPr>
-          <a:xfrm rot="0">
+          <a:xfrm>
             <a:off x="1980293" y="1893476"/>
             <a:ext cx="782573" cy="782573"/>
             <a:chOff x="0" y="0"/>
@@ -7338,7 +7359,7 @@
         </p:grpSpPr>
         <p:sp>
           <p:nvSpPr>
-            <p:cNvPr name="Freeform 6" id="6"/>
+            <p:cNvPr id="6" name="Freeform 6"/>
             <p:cNvSpPr/>
             <p:nvPr/>
           </p:nvSpPr>
@@ -7352,9 +7373,9 @@
               <a:gdLst/>
               <a:ahLst/>
               <a:cxnLst/>
-              <a:rect r="r" b="b" t="t" l="l"/>
+              <a:rect l="l" t="t" r="r" b="b"/>
               <a:pathLst>
-                <a:path h="6355080" w="6355080">
+                <a:path w="6355080" h="6355080">
                   <a:moveTo>
                     <a:pt x="3177540" y="6355080"/>
                   </a:moveTo>
@@ -7454,21 +7475,21 @@
       </p:grpSp>
       <p:pic>
         <p:nvPicPr>
-          <p:cNvPr name="Picture 7" id="7"/>
+          <p:cNvPr id="7" name="Picture 7"/>
           <p:cNvPicPr>
-            <a:picLocks noChangeAspect="true"/>
+            <a:picLocks noChangeAspect="1"/>
           </p:cNvPicPr>
           <p:nvPr/>
         </p:nvPicPr>
         <p:blipFill>
           <a:blip r:embed="rId2"/>
-          <a:srcRect l="0" t="0" r="0" b="0"/>
+          <a:srcRect/>
           <a:stretch>
             <a:fillRect/>
           </a:stretch>
         </p:blipFill>
         <p:spPr>
-          <a:xfrm flipH="false" flipV="false" rot="406439">
+          <a:xfrm rot="406439">
             <a:off x="-1046395" y="6656837"/>
             <a:ext cx="4150190" cy="2075095"/>
           </a:xfrm>
@@ -7479,7 +7500,7 @@
       </p:pic>
       <p:grpSp>
         <p:nvGrpSpPr>
-          <p:cNvPr name="Group 8" id="8"/>
+          <p:cNvPr id="8" name="Group 8"/>
           <p:cNvGrpSpPr/>
           <p:nvPr/>
         </p:nvGrpSpPr>
@@ -7493,7 +7514,7 @@
         </p:grpSpPr>
         <p:sp>
           <p:nvSpPr>
-            <p:cNvPr name="Freeform 9" id="9"/>
+            <p:cNvPr id="9" name="Freeform 9"/>
             <p:cNvSpPr/>
             <p:nvPr/>
           </p:nvSpPr>
@@ -7507,9 +7528,9 @@
               <a:gdLst/>
               <a:ahLst/>
               <a:cxnLst/>
-              <a:rect r="r" b="b" t="t" l="l"/>
+              <a:rect l="l" t="t" r="r" b="b"/>
               <a:pathLst>
-                <a:path h="1297940" w="1930400">
+                <a:path w="1930400" h="1297940">
                   <a:moveTo>
                     <a:pt x="0" y="0"/>
                   </a:moveTo>
@@ -7531,21 +7552,21 @@
       </p:grpSp>
       <p:pic>
         <p:nvPicPr>
-          <p:cNvPr name="Picture 10" id="10"/>
+          <p:cNvPr id="10" name="Picture 10"/>
           <p:cNvPicPr>
-            <a:picLocks noChangeAspect="true"/>
+            <a:picLocks noChangeAspect="1"/>
           </p:cNvPicPr>
           <p:nvPr/>
         </p:nvPicPr>
         <p:blipFill>
           <a:blip r:embed="rId3"/>
-          <a:srcRect l="0" t="0" r="0" b="0"/>
+          <a:srcRect/>
           <a:stretch>
             <a:fillRect/>
           </a:stretch>
         </p:blipFill>
         <p:spPr>
-          <a:xfrm flipH="false" flipV="false" rot="1102570">
+          <a:xfrm rot="1102570">
             <a:off x="8781662" y="8619603"/>
             <a:ext cx="2002337" cy="2126034"/>
           </a:xfrm>
@@ -7556,21 +7577,21 @@
       </p:pic>
       <p:sp>
         <p:nvSpPr>
-          <p:cNvPr name="TextBox 11" id="11"/>
-          <p:cNvSpPr txBox="true"/>
+          <p:cNvPr id="11" name="TextBox 11"/>
+          <p:cNvSpPr txBox="1"/>
           <p:nvPr/>
         </p:nvSpPr>
         <p:spPr>
-          <a:xfrm rot="0">
-            <a:off x="13017626" y="7408456"/>
-            <a:ext cx="5100340" cy="2679065"/>
+          <a:xfrm>
+            <a:off x="10640991" y="7003554"/>
+            <a:ext cx="7456833" cy="2679065"/>
           </a:xfrm>
           <a:prstGeom prst="rect">
             <a:avLst/>
           </a:prstGeom>
         </p:spPr>
         <p:txBody>
-          <a:bodyPr anchor="t" rtlCol="false" tIns="0" lIns="0" bIns="0" rIns="0">
+          <a:bodyPr lIns="0" tIns="0" rIns="0" bIns="0" rtlCol="0" anchor="t">
             <a:spAutoFit/>
           </a:bodyPr>
           <a:lstStyle/>
@@ -7612,6 +7633,12 @@
                 <a:spcPts val="3520"/>
               </a:lnSpc>
             </a:pPr>
+            <a:endParaRPr lang="en-US" sz="3200">
+              <a:solidFill>
+                <a:srgbClr val="FFFFFF"/>
+              </a:solidFill>
+              <a:latin typeface="Telegraf"/>
+            </a:endParaRPr>
           </a:p>
           <a:p>
             <a:pPr algn="r">
@@ -7619,6 +7646,12 @@
                 <a:spcPts val="3520"/>
               </a:lnSpc>
             </a:pPr>
+            <a:endParaRPr lang="en-US" sz="3200">
+              <a:solidFill>
+                <a:srgbClr val="FFFFFF"/>
+              </a:solidFill>
+              <a:latin typeface="Telegraf"/>
+            </a:endParaRPr>
           </a:p>
           <a:p>
             <a:pPr algn="r">
@@ -7669,13 +7702,14 @@
 </file>
 
 <file path=ppt/slides/slide2.xml><?xml version="1.0" encoding="utf-8"?>
-<p:sld xmlns:p="http://schemas.openxmlformats.org/presentationml/2006/main" xmlns:a="http://schemas.openxmlformats.org/drawingml/2006/main" xmlns:r="http://schemas.openxmlformats.org/officeDocument/2006/relationships">
+<p:sld xmlns:a="http://schemas.openxmlformats.org/drawingml/2006/main" xmlns:r="http://schemas.openxmlformats.org/officeDocument/2006/relationships" xmlns:p="http://schemas.openxmlformats.org/presentationml/2006/main">
   <p:cSld>
     <p:bg>
       <p:bgPr>
         <a:solidFill>
           <a:srgbClr val="F6F6F6"/>
         </a:solidFill>
+        <a:effectLst/>
       </p:bgPr>
     </p:bg>
     <p:spTree>
@@ -7694,21 +7728,21 @@
       </p:grpSpPr>
       <p:pic>
         <p:nvPicPr>
-          <p:cNvPr name="Picture 2" id="2"/>
+          <p:cNvPr id="2" name="Picture 2"/>
           <p:cNvPicPr>
-            <a:picLocks noChangeAspect="true"/>
+            <a:picLocks noChangeAspect="1"/>
           </p:cNvPicPr>
           <p:nvPr/>
         </p:nvPicPr>
         <p:blipFill>
           <a:blip r:embed="rId2"/>
-          <a:srcRect l="0" t="0" r="0" b="0"/>
+          <a:srcRect/>
           <a:stretch>
             <a:fillRect/>
           </a:stretch>
         </p:blipFill>
         <p:spPr>
-          <a:xfrm flipH="false" flipV="false" rot="0">
+          <a:xfrm>
             <a:off x="3097061" y="2293532"/>
             <a:ext cx="12093877" cy="7391778"/>
           </a:xfrm>
@@ -7719,12 +7753,12 @@
       </p:pic>
       <p:sp>
         <p:nvSpPr>
-          <p:cNvPr name="TextBox 3" id="3"/>
-          <p:cNvSpPr txBox="true"/>
+          <p:cNvPr id="3" name="TextBox 3"/>
+          <p:cNvSpPr txBox="1"/>
           <p:nvPr/>
         </p:nvSpPr>
         <p:spPr>
-          <a:xfrm rot="0">
+          <a:xfrm>
             <a:off x="4229078" y="5186781"/>
             <a:ext cx="3134320" cy="1510030"/>
           </a:xfrm>
@@ -7733,7 +7767,7 @@
           </a:prstGeom>
         </p:spPr>
         <p:txBody>
-          <a:bodyPr anchor="t" rtlCol="false" tIns="0" lIns="0" bIns="0" rIns="0">
+          <a:bodyPr lIns="0" tIns="0" rIns="0" bIns="0" rtlCol="0" anchor="t">
             <a:spAutoFit/>
           </a:bodyPr>
           <a:lstStyle/>
@@ -7757,12 +7791,12 @@
       </p:sp>
       <p:sp>
         <p:nvSpPr>
-          <p:cNvPr name="TextBox 4" id="4"/>
-          <p:cNvSpPr txBox="true"/>
+          <p:cNvPr id="4" name="TextBox 4"/>
+          <p:cNvSpPr txBox="1"/>
           <p:nvPr/>
         </p:nvSpPr>
         <p:spPr>
-          <a:xfrm rot="0">
+          <a:xfrm>
             <a:off x="7893862" y="5434431"/>
             <a:ext cx="2502718" cy="1014730"/>
           </a:xfrm>
@@ -7771,7 +7805,7 @@
           </a:prstGeom>
         </p:spPr>
         <p:txBody>
-          <a:bodyPr anchor="t" rtlCol="false" tIns="0" lIns="0" bIns="0" rIns="0">
+          <a:bodyPr lIns="0" tIns="0" rIns="0" bIns="0" rtlCol="0" anchor="t">
             <a:spAutoFit/>
           </a:bodyPr>
           <a:lstStyle/>
@@ -7795,12 +7829,12 @@
       </p:sp>
       <p:sp>
         <p:nvSpPr>
-          <p:cNvPr name="TextBox 5" id="5"/>
-          <p:cNvSpPr txBox="true"/>
+          <p:cNvPr id="5" name="TextBox 5"/>
+          <p:cNvSpPr txBox="1"/>
           <p:nvPr/>
         </p:nvSpPr>
         <p:spPr>
-          <a:xfrm rot="0">
+          <a:xfrm>
             <a:off x="11112125" y="5434431"/>
             <a:ext cx="2946797" cy="1014730"/>
           </a:xfrm>
@@ -7809,7 +7843,7 @@
           </a:prstGeom>
         </p:spPr>
         <p:txBody>
-          <a:bodyPr anchor="t" rtlCol="false" tIns="0" lIns="0" bIns="0" rIns="0">
+          <a:bodyPr lIns="0" tIns="0" rIns="0" bIns="0" rtlCol="0" anchor="t">
             <a:spAutoFit/>
           </a:bodyPr>
           <a:lstStyle/>
@@ -7833,12 +7867,12 @@
       </p:sp>
       <p:sp>
         <p:nvSpPr>
-          <p:cNvPr name="TextBox 6" id="6"/>
-          <p:cNvSpPr txBox="true"/>
+          <p:cNvPr id="6" name="TextBox 6"/>
+          <p:cNvSpPr txBox="1"/>
           <p:nvPr/>
         </p:nvSpPr>
         <p:spPr>
-          <a:xfrm rot="0">
+          <a:xfrm>
             <a:off x="3472903" y="350537"/>
             <a:ext cx="11344636" cy="1733550"/>
           </a:xfrm>
@@ -7847,7 +7881,7 @@
           </a:prstGeom>
         </p:spPr>
         <p:txBody>
-          <a:bodyPr anchor="t" rtlCol="false" tIns="0" lIns="0" bIns="0" rIns="0">
+          <a:bodyPr lIns="0" tIns="0" rIns="0" bIns="0" rtlCol="0" anchor="t">
             <a:spAutoFit/>
           </a:bodyPr>
           <a:lstStyle/>
@@ -7878,13 +7912,14 @@
 </file>
 
 <file path=ppt/slides/slide3.xml><?xml version="1.0" encoding="utf-8"?>
-<p:sld xmlns:p="http://schemas.openxmlformats.org/presentationml/2006/main" xmlns:a="http://schemas.openxmlformats.org/drawingml/2006/main" xmlns:r="http://schemas.openxmlformats.org/officeDocument/2006/relationships">
+<p:sld xmlns:a="http://schemas.openxmlformats.org/drawingml/2006/main" xmlns:r="http://schemas.openxmlformats.org/officeDocument/2006/relationships" xmlns:p="http://schemas.openxmlformats.org/presentationml/2006/main">
   <p:cSld>
     <p:bg>
       <p:bgPr>
         <a:solidFill>
           <a:srgbClr val="0050F5"/>
         </a:solidFill>
+        <a:effectLst/>
       </p:bgPr>
     </p:bg>
     <p:spTree>
@@ -7903,14 +7938,14 @@
       </p:grpSpPr>
       <p:grpSp>
         <p:nvGrpSpPr>
-          <p:cNvPr name="Group 2" id="2"/>
+          <p:cNvPr id="2" name="Group 2"/>
           <p:cNvGrpSpPr>
-            <a:grpSpLocks noChangeAspect="true"/>
+            <a:grpSpLocks noChangeAspect="1"/>
           </p:cNvGrpSpPr>
           <p:nvPr/>
         </p:nvGrpSpPr>
         <p:grpSpPr>
-          <a:xfrm rot="0">
+          <a:xfrm>
             <a:off x="16535455" y="8614709"/>
             <a:ext cx="495300" cy="495300"/>
             <a:chOff x="0" y="0"/>
@@ -7919,7 +7954,7 @@
         </p:grpSpPr>
         <p:sp>
           <p:nvSpPr>
-            <p:cNvPr name="Freeform 3" id="3"/>
+            <p:cNvPr id="3" name="Freeform 3"/>
             <p:cNvSpPr/>
             <p:nvPr/>
           </p:nvSpPr>
@@ -7933,9 +7968,9 @@
               <a:gdLst/>
               <a:ahLst/>
               <a:cxnLst/>
-              <a:rect r="r" b="b" t="t" l="l"/>
+              <a:rect l="l" t="t" r="r" b="b"/>
               <a:pathLst>
-                <a:path h="6355080" w="6355080">
+                <a:path w="6355080" h="6355080">
                   <a:moveTo>
                     <a:pt x="3177540" y="6355080"/>
                   </a:moveTo>
@@ -8035,21 +8070,21 @@
       </p:grpSp>
       <p:pic>
         <p:nvPicPr>
-          <p:cNvPr name="Picture 4" id="4"/>
+          <p:cNvPr id="4" name="Picture 4"/>
           <p:cNvPicPr>
-            <a:picLocks noChangeAspect="true"/>
+            <a:picLocks noChangeAspect="1"/>
           </p:cNvPicPr>
           <p:nvPr/>
         </p:nvPicPr>
         <p:blipFill>
           <a:blip r:embed="rId2"/>
-          <a:srcRect l="0" t="0" r="0" b="0"/>
+          <a:srcRect/>
           <a:stretch>
             <a:fillRect/>
           </a:stretch>
         </p:blipFill>
         <p:spPr>
-          <a:xfrm flipH="false" flipV="false" rot="0">
+          <a:xfrm>
             <a:off x="5873207" y="3222581"/>
             <a:ext cx="6541586" cy="5887428"/>
           </a:xfrm>
@@ -8060,12 +8095,12 @@
       </p:pic>
       <p:sp>
         <p:nvSpPr>
-          <p:cNvPr name="TextBox 5" id="5"/>
-          <p:cNvSpPr txBox="true"/>
+          <p:cNvPr id="5" name="TextBox 5"/>
+          <p:cNvSpPr txBox="1"/>
           <p:nvPr/>
         </p:nvSpPr>
         <p:spPr>
-          <a:xfrm rot="0">
+          <a:xfrm>
             <a:off x="2413248" y="738343"/>
             <a:ext cx="13461504" cy="1464945"/>
           </a:xfrm>
@@ -8074,7 +8109,7 @@
           </a:prstGeom>
         </p:spPr>
         <p:txBody>
-          <a:bodyPr anchor="t" rtlCol="false" tIns="0" lIns="0" bIns="0" rIns="0">
+          <a:bodyPr lIns="0" tIns="0" rIns="0" bIns="0" rtlCol="0" anchor="t">
             <a:spAutoFit/>
           </a:bodyPr>
           <a:lstStyle/>
@@ -8098,21 +8133,21 @@
       </p:sp>
       <p:pic>
         <p:nvPicPr>
-          <p:cNvPr name="Picture 6" id="6"/>
+          <p:cNvPr id="6" name="Picture 6"/>
           <p:cNvPicPr>
-            <a:picLocks noChangeAspect="true"/>
+            <a:picLocks noChangeAspect="1"/>
           </p:cNvPicPr>
           <p:nvPr/>
         </p:nvPicPr>
         <p:blipFill>
           <a:blip r:embed="rId3"/>
-          <a:srcRect l="0" t="0" r="0" b="0"/>
+          <a:srcRect/>
           <a:stretch>
             <a:fillRect/>
           </a:stretch>
         </p:blipFill>
         <p:spPr>
-          <a:xfrm flipH="false" flipV="false" rot="0">
+          <a:xfrm>
             <a:off x="8111288" y="5143500"/>
             <a:ext cx="2065424" cy="2704722"/>
           </a:xfrm>
@@ -8123,12 +8158,12 @@
       </p:pic>
       <p:sp>
         <p:nvSpPr>
-          <p:cNvPr name="TextBox 7" id="7"/>
-          <p:cNvSpPr txBox="true"/>
+          <p:cNvPr id="7" name="TextBox 7"/>
+          <p:cNvSpPr txBox="1"/>
           <p:nvPr/>
         </p:nvSpPr>
         <p:spPr>
-          <a:xfrm rot="0">
+          <a:xfrm>
             <a:off x="6783838" y="2681561"/>
             <a:ext cx="4720323" cy="541020"/>
           </a:xfrm>
@@ -8137,7 +8172,7 @@
           </a:prstGeom>
         </p:spPr>
         <p:txBody>
-          <a:bodyPr anchor="t" rtlCol="false" tIns="0" lIns="0" bIns="0" rIns="0">
+          <a:bodyPr lIns="0" tIns="0" rIns="0" bIns="0" rtlCol="0" anchor="t">
             <a:spAutoFit/>
           </a:bodyPr>
           <a:lstStyle/>
@@ -8161,12 +8196,12 @@
       </p:sp>
       <p:sp>
         <p:nvSpPr>
-          <p:cNvPr name="TextBox 8" id="8"/>
-          <p:cNvSpPr txBox="true"/>
+          <p:cNvPr id="8" name="TextBox 8"/>
+          <p:cNvSpPr txBox="1"/>
           <p:nvPr/>
         </p:nvSpPr>
         <p:spPr>
-          <a:xfrm rot="0">
+          <a:xfrm>
             <a:off x="4459671" y="8987790"/>
             <a:ext cx="2827072" cy="541020"/>
           </a:xfrm>
@@ -8175,7 +8210,7 @@
           </a:prstGeom>
         </p:spPr>
         <p:txBody>
-          <a:bodyPr anchor="t" rtlCol="false" tIns="0" lIns="0" bIns="0" rIns="0">
+          <a:bodyPr lIns="0" tIns="0" rIns="0" bIns="0" rtlCol="0" anchor="t">
             <a:spAutoFit/>
           </a:bodyPr>
           <a:lstStyle/>
@@ -8199,12 +8234,12 @@
       </p:sp>
       <p:sp>
         <p:nvSpPr>
-          <p:cNvPr name="TextBox 9" id="9"/>
-          <p:cNvSpPr txBox="true"/>
+          <p:cNvPr id="9" name="TextBox 9"/>
+          <p:cNvSpPr txBox="1"/>
           <p:nvPr/>
         </p:nvSpPr>
         <p:spPr>
-          <a:xfrm rot="0">
+          <a:xfrm>
             <a:off x="10558156" y="8987790"/>
             <a:ext cx="3713275" cy="541020"/>
           </a:xfrm>
@@ -8213,7 +8248,7 @@
           </a:prstGeom>
         </p:spPr>
         <p:txBody>
-          <a:bodyPr anchor="t" rtlCol="false" tIns="0" lIns="0" bIns="0" rIns="0">
+          <a:bodyPr lIns="0" tIns="0" rIns="0" bIns="0" rtlCol="0" anchor="t">
             <a:spAutoFit/>
           </a:bodyPr>
           <a:lstStyle/>
@@ -8244,13 +8279,14 @@
 </file>
 
 <file path=ppt/slides/slide4.xml><?xml version="1.0" encoding="utf-8"?>
-<p:sld xmlns:p="http://schemas.openxmlformats.org/presentationml/2006/main" xmlns:a="http://schemas.openxmlformats.org/drawingml/2006/main" xmlns:r="http://schemas.openxmlformats.org/officeDocument/2006/relationships">
+<p:sld xmlns:a="http://schemas.openxmlformats.org/drawingml/2006/main" xmlns:r="http://schemas.openxmlformats.org/officeDocument/2006/relationships" xmlns:p="http://schemas.openxmlformats.org/presentationml/2006/main">
   <p:cSld>
     <p:bg>
       <p:bgPr>
         <a:solidFill>
           <a:srgbClr val="F6F6F6"/>
         </a:solidFill>
+        <a:effectLst/>
       </p:bgPr>
     </p:bg>
     <p:spTree>
@@ -8269,9 +8305,9 @@
       </p:grpSpPr>
       <p:pic>
         <p:nvPicPr>
-          <p:cNvPr name="Picture 2" id="2"/>
+          <p:cNvPr id="2" name="Picture 2"/>
           <p:cNvPicPr>
-            <a:picLocks noChangeAspect="true"/>
+            <a:picLocks noChangeAspect="1"/>
           </p:cNvPicPr>
           <p:nvPr/>
         </p:nvPicPr>
@@ -8283,7 +8319,7 @@
           </a:stretch>
         </p:blipFill>
         <p:spPr>
-          <a:xfrm flipH="false" flipV="false" rot="0">
+          <a:xfrm>
             <a:off x="9658714" y="0"/>
             <a:ext cx="7600586" cy="10287000"/>
           </a:xfrm>
@@ -8294,21 +8330,21 @@
       </p:pic>
       <p:pic>
         <p:nvPicPr>
-          <p:cNvPr name="Picture 3" id="3"/>
+          <p:cNvPr id="3" name="Picture 3"/>
           <p:cNvPicPr>
-            <a:picLocks noChangeAspect="true"/>
+            <a:picLocks noChangeAspect="1"/>
           </p:cNvPicPr>
           <p:nvPr/>
         </p:nvPicPr>
         <p:blipFill>
           <a:blip r:embed="rId3"/>
-          <a:srcRect l="0" t="0" r="0" b="0"/>
+          <a:srcRect/>
           <a:stretch>
             <a:fillRect/>
           </a:stretch>
         </p:blipFill>
         <p:spPr>
-          <a:xfrm flipH="false" flipV="false" rot="1102570">
+          <a:xfrm rot="1102570">
             <a:off x="794723" y="7143848"/>
             <a:ext cx="3237049" cy="3437022"/>
           </a:xfrm>
@@ -8319,21 +8355,21 @@
       </p:pic>
       <p:pic>
         <p:nvPicPr>
-          <p:cNvPr name="Picture 4" id="4"/>
+          <p:cNvPr id="4" name="Picture 4"/>
           <p:cNvPicPr>
-            <a:picLocks noChangeAspect="true"/>
+            <a:picLocks noChangeAspect="1"/>
           </p:cNvPicPr>
           <p:nvPr/>
         </p:nvPicPr>
         <p:blipFill>
           <a:blip r:embed="rId4"/>
-          <a:srcRect l="0" t="0" r="0" b="0"/>
+          <a:srcRect/>
           <a:stretch>
             <a:fillRect/>
           </a:stretch>
         </p:blipFill>
         <p:spPr>
-          <a:xfrm flipH="false" flipV="false" rot="1694643">
+          <a:xfrm rot="1694643">
             <a:off x="16059100" y="1532083"/>
             <a:ext cx="3136394" cy="1568197"/>
           </a:xfrm>
@@ -8344,7 +8380,7 @@
       </p:pic>
       <p:grpSp>
         <p:nvGrpSpPr>
-          <p:cNvPr name="Group 5" id="5"/>
+          <p:cNvPr id="5" name="Group 5"/>
           <p:cNvGrpSpPr/>
           <p:nvPr/>
         </p:nvGrpSpPr>
@@ -8358,7 +8394,7 @@
         </p:grpSpPr>
         <p:sp>
           <p:nvSpPr>
-            <p:cNvPr name="Freeform 6" id="6"/>
+            <p:cNvPr id="6" name="Freeform 6"/>
             <p:cNvSpPr/>
             <p:nvPr/>
           </p:nvSpPr>
@@ -8372,9 +8408,9 @@
               <a:gdLst/>
               <a:ahLst/>
               <a:cxnLst/>
-              <a:rect r="r" b="b" t="t" l="l"/>
+              <a:rect l="l" t="t" r="r" b="b"/>
               <a:pathLst>
-                <a:path h="1297940" w="1930400">
+                <a:path w="1930400" h="1297940">
                   <a:moveTo>
                     <a:pt x="0" y="0"/>
                   </a:moveTo>
@@ -8394,63 +8430,97 @@
           </p:spPr>
         </p:sp>
       </p:grpSp>
-      <p:sp>
-        <p:nvSpPr>
-          <p:cNvPr name="TextBox 7" id="7"/>
-          <p:cNvSpPr txBox="true"/>
-          <p:nvPr/>
-        </p:nvSpPr>
-        <p:spPr>
-          <a:xfrm rot="0">
-            <a:off x="457738" y="3388360"/>
-            <a:ext cx="9028658" cy="3205480"/>
-          </a:xfrm>
-          <a:prstGeom prst="rect">
-            <a:avLst/>
-          </a:prstGeom>
-        </p:spPr>
-        <p:txBody>
-          <a:bodyPr anchor="t" rtlCol="false" tIns="0" lIns="0" bIns="0" rIns="0">
-            <a:spAutoFit/>
-          </a:bodyPr>
-          <a:lstStyle/>
-          <a:p>
-            <a:pPr algn="r">
-              <a:lnSpc>
-                <a:spcPts val="14560"/>
-              </a:lnSpc>
-            </a:pPr>
-            <a:r>
-              <a:rPr lang="en-US" sz="10400" spc="208">
-                <a:solidFill>
-                  <a:srgbClr val="0050F5"/>
-                </a:solidFill>
-                <a:latin typeface="Telegraf Bold"/>
-              </a:rPr>
-              <a:t>Methodology</a:t>
-            </a:r>
-          </a:p>
-          <a:p>
-            <a:pPr algn="r">
-              <a:lnSpc>
-                <a:spcPts val="10080"/>
-              </a:lnSpc>
-              <a:spcBef>
-                <a:spcPct val="0"/>
-              </a:spcBef>
-            </a:pPr>
-            <a:r>
-              <a:rPr lang="en-US" sz="7200" spc="144">
-                <a:solidFill>
-                  <a:srgbClr val="0050F5"/>
-                </a:solidFill>
-                <a:latin typeface="Telegraf"/>
-              </a:rPr>
-              <a:t>Grounded Theory</a:t>
-            </a:r>
-          </a:p>
-        </p:txBody>
-      </p:sp>
+      <p:grpSp>
+        <p:nvGrpSpPr>
+          <p:cNvPr id="7" name="Group 7"/>
+          <p:cNvGrpSpPr/>
+          <p:nvPr/>
+        </p:nvGrpSpPr>
+        <p:grpSpPr>
+          <a:xfrm>
+            <a:off x="199399" y="4037240"/>
+            <a:ext cx="8944601" cy="2212520"/>
+            <a:chOff x="0" y="0"/>
+            <a:chExt cx="11926134" cy="2950026"/>
+          </a:xfrm>
+        </p:grpSpPr>
+        <p:sp>
+          <p:nvSpPr>
+            <p:cNvPr id="8" name="TextBox 8"/>
+            <p:cNvSpPr txBox="1"/>
+            <p:nvPr/>
+          </p:nvSpPr>
+          <p:spPr>
+            <a:xfrm>
+              <a:off x="0" y="2289203"/>
+              <a:ext cx="11926134" cy="660823"/>
+            </a:xfrm>
+            <a:prstGeom prst="rect">
+              <a:avLst/>
+            </a:prstGeom>
+          </p:spPr>
+          <p:txBody>
+            <a:bodyPr lIns="0" tIns="0" rIns="0" bIns="0" rtlCol="0" anchor="t">
+              <a:spAutoFit/>
+            </a:bodyPr>
+            <a:lstStyle/>
+            <a:p>
+              <a:pPr algn="r">
+                <a:lnSpc>
+                  <a:spcPts val="3919"/>
+                </a:lnSpc>
+              </a:pPr>
+              <a:r>
+                <a:rPr lang="en-US" sz="2800" spc="56">
+                  <a:solidFill>
+                    <a:srgbClr val="0050F5"/>
+                  </a:solidFill>
+                  <a:latin typeface="Telegraf Bold"/>
+                </a:rPr>
+                <a:t>Grounded Theory</a:t>
+              </a:r>
+            </a:p>
+          </p:txBody>
+        </p:sp>
+        <p:sp>
+          <p:nvSpPr>
+            <p:cNvPr id="9" name="TextBox 9"/>
+            <p:cNvSpPr txBox="1"/>
+            <p:nvPr/>
+          </p:nvSpPr>
+          <p:spPr>
+            <a:xfrm>
+              <a:off x="0" y="-9525"/>
+              <a:ext cx="11926134" cy="1950085"/>
+            </a:xfrm>
+            <a:prstGeom prst="rect">
+              <a:avLst/>
+            </a:prstGeom>
+          </p:spPr>
+          <p:txBody>
+            <a:bodyPr lIns="0" tIns="0" rIns="0" bIns="0" rtlCol="0" anchor="t">
+              <a:spAutoFit/>
+            </a:bodyPr>
+            <a:lstStyle/>
+            <a:p>
+              <a:pPr algn="r">
+                <a:lnSpc>
+                  <a:spcPts val="10560"/>
+                </a:lnSpc>
+              </a:pPr>
+              <a:r>
+                <a:rPr lang="en-US" sz="9600">
+                  <a:solidFill>
+                    <a:srgbClr val="0050F5"/>
+                  </a:solidFill>
+                  <a:latin typeface="Telegraf Bold"/>
+                </a:rPr>
+                <a:t>Methodology</a:t>
+              </a:r>
+            </a:p>
+          </p:txBody>
+        </p:sp>
+      </p:grpSp>
     </p:spTree>
   </p:cSld>
   <p:clrMapOvr>
@@ -8460,13 +8530,14 @@
 </file>
 
 <file path=ppt/slides/slide5.xml><?xml version="1.0" encoding="utf-8"?>
-<p:sld xmlns:p="http://schemas.openxmlformats.org/presentationml/2006/main" xmlns:a="http://schemas.openxmlformats.org/drawingml/2006/main" xmlns:r="http://schemas.openxmlformats.org/officeDocument/2006/relationships">
+<p:sld xmlns:a="http://schemas.openxmlformats.org/drawingml/2006/main" xmlns:r="http://schemas.openxmlformats.org/officeDocument/2006/relationships" xmlns:p="http://schemas.openxmlformats.org/presentationml/2006/main">
   <p:cSld>
     <p:bg>
       <p:bgPr>
         <a:solidFill>
           <a:srgbClr val="F4592F"/>
         </a:solidFill>
+        <a:effectLst/>
       </p:bgPr>
     </p:bg>
     <p:spTree>
@@ -8485,9 +8556,9 @@
       </p:grpSpPr>
       <p:pic>
         <p:nvPicPr>
-          <p:cNvPr name="Picture 2" id="2"/>
+          <p:cNvPr id="2" name="Picture 2"/>
           <p:cNvPicPr>
-            <a:picLocks noChangeAspect="true"/>
+            <a:picLocks noChangeAspect="1"/>
           </p:cNvPicPr>
           <p:nvPr/>
         </p:nvPicPr>
@@ -8495,13 +8566,13 @@
           <a:blip r:embed="rId2">
             <a:alphaModFix amt="9999"/>
           </a:blip>
-          <a:srcRect l="0" t="138" r="0" b="0"/>
+          <a:srcRect t="138"/>
           <a:stretch>
             <a:fillRect/>
           </a:stretch>
         </p:blipFill>
         <p:spPr>
-          <a:xfrm flipH="false" flipV="false" rot="3308605">
+          <a:xfrm rot="3308605">
             <a:off x="-2895584" y="-8698169"/>
             <a:ext cx="19471048" cy="20101909"/>
           </a:xfrm>
@@ -8512,23 +8583,23 @@
       </p:pic>
       <p:pic>
         <p:nvPicPr>
-          <p:cNvPr name="Picture 3" id="3"/>
+          <p:cNvPr id="3" name="Picture 3"/>
           <p:cNvPicPr>
-            <a:picLocks noChangeAspect="true"/>
+            <a:picLocks noChangeAspect="1"/>
           </p:cNvPicPr>
           <p:nvPr/>
         </p:nvPicPr>
         <p:blipFill>
           <a:blip r:embed="rId3"/>
-          <a:srcRect l="0" t="0" r="0" b="0"/>
+          <a:srcRect/>
           <a:stretch>
             <a:fillRect/>
           </a:stretch>
         </p:blipFill>
         <p:spPr>
-          <a:xfrm flipH="false" flipV="false" rot="0">
-            <a:off x="3654337" y="4846874"/>
-            <a:ext cx="5031630" cy="4775474"/>
+          <a:xfrm>
+            <a:off x="2156536" y="3425325"/>
+            <a:ext cx="6529431" cy="6197023"/>
           </a:xfrm>
           <a:prstGeom prst="rect">
             <a:avLst/>
@@ -8537,108 +8608,120 @@
       </p:pic>
       <p:pic>
         <p:nvPicPr>
-          <p:cNvPr name="Picture 4" id="4"/>
+          <p:cNvPr id="4" name="Picture 4"/>
           <p:cNvPicPr>
-            <a:picLocks noChangeAspect="true"/>
+            <a:picLocks noChangeAspect="1"/>
           </p:cNvPicPr>
           <p:nvPr/>
         </p:nvPicPr>
         <p:blipFill>
           <a:blip r:embed="rId4"/>
-          <a:srcRect l="0" t="0" r="0" b="0"/>
+          <a:srcRect/>
           <a:stretch>
             <a:fillRect/>
           </a:stretch>
         </p:blipFill>
         <p:spPr>
-          <a:xfrm flipH="false" flipV="false" rot="0">
-            <a:off x="10212654" y="5949632"/>
-            <a:ext cx="3445676" cy="3672716"/>
+          <a:xfrm>
+            <a:off x="10212654" y="4235208"/>
+            <a:ext cx="5054117" cy="5387140"/>
           </a:xfrm>
           <a:prstGeom prst="rect">
             <a:avLst/>
           </a:prstGeom>
         </p:spPr>
       </p:pic>
-      <p:sp>
-        <p:nvSpPr>
-          <p:cNvPr name="TextBox 5" id="5"/>
-          <p:cNvSpPr txBox="true"/>
-          <p:nvPr/>
-        </p:nvSpPr>
-        <p:spPr>
-          <a:xfrm rot="0">
-            <a:off x="4629671" y="-67945"/>
-            <a:ext cx="9028658" cy="1888490"/>
-          </a:xfrm>
-          <a:prstGeom prst="rect">
-            <a:avLst/>
-          </a:prstGeom>
-        </p:spPr>
-        <p:txBody>
-          <a:bodyPr anchor="t" rtlCol="false" tIns="0" lIns="0" bIns="0" rIns="0">
-            <a:spAutoFit/>
-          </a:bodyPr>
-          <a:lstStyle/>
-          <a:p>
-            <a:pPr algn="ctr">
-              <a:lnSpc>
-                <a:spcPts val="14560"/>
-              </a:lnSpc>
-              <a:spcBef>
-                <a:spcPct val="0"/>
-              </a:spcBef>
-            </a:pPr>
-            <a:r>
-              <a:rPr lang="en-US" sz="10400" spc="208">
-                <a:solidFill>
-                  <a:srgbClr val="F6F6F6"/>
-                </a:solidFill>
-                <a:latin typeface="Telegraf Bold"/>
-              </a:rPr>
-              <a:t>Methodology</a:t>
-            </a:r>
-          </a:p>
-        </p:txBody>
-      </p:sp>
-      <p:sp>
-        <p:nvSpPr>
-          <p:cNvPr name="TextBox 6" id="6"/>
-          <p:cNvSpPr txBox="true"/>
-          <p:nvPr/>
-        </p:nvSpPr>
-        <p:spPr>
-          <a:xfrm rot="0">
-            <a:off x="3082910" y="2829160"/>
-            <a:ext cx="12122179" cy="1171575"/>
-          </a:xfrm>
-          <a:prstGeom prst="rect">
-            <a:avLst/>
-          </a:prstGeom>
-        </p:spPr>
-        <p:txBody>
-          <a:bodyPr anchor="t" rtlCol="false" tIns="0" lIns="0" bIns="0" rIns="0">
-            <a:spAutoFit/>
-          </a:bodyPr>
-          <a:lstStyle/>
-          <a:p>
-            <a:pPr algn="ctr">
-              <a:lnSpc>
-                <a:spcPts val="8640"/>
-              </a:lnSpc>
-            </a:pPr>
-            <a:r>
-              <a:rPr lang="en-US" sz="7200">
-                <a:solidFill>
-                  <a:srgbClr val="F6F6F6"/>
-                </a:solidFill>
-                <a:latin typeface="Telegraf"/>
-              </a:rPr>
-              <a:t>Recruitment and Interviews</a:t>
-            </a:r>
-          </a:p>
-        </p:txBody>
-      </p:sp>
+      <p:grpSp>
+        <p:nvGrpSpPr>
+          <p:cNvPr id="5" name="Group 5"/>
+          <p:cNvGrpSpPr/>
+          <p:nvPr/>
+        </p:nvGrpSpPr>
+        <p:grpSpPr>
+          <a:xfrm>
+            <a:off x="2294060" y="410267"/>
+            <a:ext cx="13699880" cy="2212520"/>
+            <a:chOff x="0" y="0"/>
+            <a:chExt cx="18266507" cy="2950026"/>
+          </a:xfrm>
+        </p:grpSpPr>
+        <p:sp>
+          <p:nvSpPr>
+            <p:cNvPr id="6" name="TextBox 6"/>
+            <p:cNvSpPr txBox="1"/>
+            <p:nvPr/>
+          </p:nvSpPr>
+          <p:spPr>
+            <a:xfrm>
+              <a:off x="0" y="2289203"/>
+              <a:ext cx="18266507" cy="660823"/>
+            </a:xfrm>
+            <a:prstGeom prst="rect">
+              <a:avLst/>
+            </a:prstGeom>
+          </p:spPr>
+          <p:txBody>
+            <a:bodyPr lIns="0" tIns="0" rIns="0" bIns="0" rtlCol="0" anchor="t">
+              <a:spAutoFit/>
+            </a:bodyPr>
+            <a:lstStyle/>
+            <a:p>
+              <a:pPr algn="ctr">
+                <a:lnSpc>
+                  <a:spcPts val="3919"/>
+                </a:lnSpc>
+              </a:pPr>
+              <a:r>
+                <a:rPr lang="en-US" sz="2800" spc="56">
+                  <a:solidFill>
+                    <a:srgbClr val="F6F6F6"/>
+                  </a:solidFill>
+                  <a:latin typeface="Telegraf Bold"/>
+                </a:rPr>
+                <a:t>Recruitment and Collection</a:t>
+              </a:r>
+            </a:p>
+          </p:txBody>
+        </p:sp>
+        <p:sp>
+          <p:nvSpPr>
+            <p:cNvPr id="7" name="TextBox 7"/>
+            <p:cNvSpPr txBox="1"/>
+            <p:nvPr/>
+          </p:nvSpPr>
+          <p:spPr>
+            <a:xfrm>
+              <a:off x="0" y="-9525"/>
+              <a:ext cx="18266507" cy="1950085"/>
+            </a:xfrm>
+            <a:prstGeom prst="rect">
+              <a:avLst/>
+            </a:prstGeom>
+          </p:spPr>
+          <p:txBody>
+            <a:bodyPr lIns="0" tIns="0" rIns="0" bIns="0" rtlCol="0" anchor="t">
+              <a:spAutoFit/>
+            </a:bodyPr>
+            <a:lstStyle/>
+            <a:p>
+              <a:pPr algn="ctr">
+                <a:lnSpc>
+                  <a:spcPts val="10560"/>
+                </a:lnSpc>
+              </a:pPr>
+              <a:r>
+                <a:rPr lang="en-US" sz="9600">
+                  <a:solidFill>
+                    <a:srgbClr val="F6F6F6"/>
+                  </a:solidFill>
+                  <a:latin typeface="Telegraf Bold"/>
+                </a:rPr>
+                <a:t>Methodology</a:t>
+              </a:r>
+            </a:p>
+          </p:txBody>
+        </p:sp>
+      </p:grpSp>
     </p:spTree>
   </p:cSld>
   <p:clrMapOvr>
@@ -8648,13 +8731,14 @@
 </file>
 
 <file path=ppt/slides/slide6.xml><?xml version="1.0" encoding="utf-8"?>
-<p:sld xmlns:p="http://schemas.openxmlformats.org/presentationml/2006/main" xmlns:a="http://schemas.openxmlformats.org/drawingml/2006/main" xmlns:r="http://schemas.openxmlformats.org/officeDocument/2006/relationships">
+<p:sld xmlns:a="http://schemas.openxmlformats.org/drawingml/2006/main" xmlns:r="http://schemas.openxmlformats.org/officeDocument/2006/relationships" xmlns:p="http://schemas.openxmlformats.org/presentationml/2006/main">
   <p:cSld>
     <p:bg>
       <p:bgPr>
         <a:solidFill>
           <a:srgbClr val="F6F6F6"/>
         </a:solidFill>
+        <a:effectLst/>
       </p:bgPr>
     </p:bg>
     <p:spTree>
@@ -8673,21 +8757,21 @@
       </p:grpSpPr>
       <p:pic>
         <p:nvPicPr>
-          <p:cNvPr name="Picture 2" id="2"/>
+          <p:cNvPr id="2" name="Picture 2"/>
           <p:cNvPicPr>
-            <a:picLocks noChangeAspect="true"/>
+            <a:picLocks noChangeAspect="1"/>
           </p:cNvPicPr>
           <p:nvPr/>
         </p:nvPicPr>
         <p:blipFill>
           <a:blip r:embed="rId2"/>
-          <a:srcRect l="0" t="0" r="0" b="0"/>
+          <a:srcRect/>
           <a:stretch>
             <a:fillRect/>
           </a:stretch>
         </p:blipFill>
         <p:spPr>
-          <a:xfrm flipH="false" flipV="false" rot="1102570">
+          <a:xfrm rot="1102570">
             <a:off x="794723" y="7143848"/>
             <a:ext cx="3237049" cy="3437022"/>
           </a:xfrm>
@@ -8698,21 +8782,21 @@
       </p:pic>
       <p:pic>
         <p:nvPicPr>
-          <p:cNvPr name="Picture 3" id="3"/>
+          <p:cNvPr id="3" name="Picture 3"/>
           <p:cNvPicPr>
-            <a:picLocks noChangeAspect="true"/>
+            <a:picLocks noChangeAspect="1"/>
           </p:cNvPicPr>
           <p:nvPr/>
         </p:nvPicPr>
         <p:blipFill>
           <a:blip r:embed="rId3"/>
-          <a:srcRect l="0" t="0" r="0" b="0"/>
+          <a:srcRect/>
           <a:stretch>
             <a:fillRect/>
           </a:stretch>
         </p:blipFill>
         <p:spPr>
-          <a:xfrm flipH="false" flipV="false" rot="1694643">
+          <a:xfrm rot="1694643">
             <a:off x="16059100" y="1532083"/>
             <a:ext cx="3136394" cy="1568197"/>
           </a:xfrm>
@@ -8723,7 +8807,7 @@
       </p:pic>
       <p:grpSp>
         <p:nvGrpSpPr>
-          <p:cNvPr name="Group 4" id="4"/>
+          <p:cNvPr id="4" name="Group 4"/>
           <p:cNvGrpSpPr/>
           <p:nvPr/>
         </p:nvGrpSpPr>
@@ -8737,7 +8821,7 @@
         </p:grpSpPr>
         <p:sp>
           <p:nvSpPr>
-            <p:cNvPr name="Freeform 5" id="5"/>
+            <p:cNvPr id="5" name="Freeform 5"/>
             <p:cNvSpPr/>
             <p:nvPr/>
           </p:nvSpPr>
@@ -8751,9 +8835,9 @@
               <a:gdLst/>
               <a:ahLst/>
               <a:cxnLst/>
-              <a:rect r="r" b="b" t="t" l="l"/>
+              <a:rect l="l" t="t" r="r" b="b"/>
               <a:pathLst>
-                <a:path h="1297940" w="1930400">
+                <a:path w="1930400" h="1297940">
                   <a:moveTo>
                     <a:pt x="0" y="0"/>
                   </a:moveTo>
@@ -8775,9 +8859,9 @@
       </p:grpSp>
       <p:pic>
         <p:nvPicPr>
-          <p:cNvPr name="Picture 6" id="6"/>
+          <p:cNvPr id="6" name="Picture 6"/>
           <p:cNvPicPr>
-            <a:picLocks noChangeAspect="true"/>
+            <a:picLocks noChangeAspect="1"/>
           </p:cNvPicPr>
           <p:nvPr/>
         </p:nvPicPr>
@@ -8789,7 +8873,7 @@
           </a:stretch>
         </p:blipFill>
         <p:spPr>
-          <a:xfrm flipH="false" flipV="false" rot="0">
+          <a:xfrm>
             <a:off x="3856996" y="3046322"/>
             <a:ext cx="10574009" cy="6686802"/>
           </a:xfrm>
@@ -8798,88 +8882,97 @@
           </a:prstGeom>
         </p:spPr>
       </p:pic>
-      <p:sp>
-        <p:nvSpPr>
-          <p:cNvPr name="TextBox 7" id="7"/>
-          <p:cNvSpPr txBox="true"/>
-          <p:nvPr/>
-        </p:nvSpPr>
-        <p:spPr>
-          <a:xfrm rot="0">
-            <a:off x="4629671" y="-67945"/>
-            <a:ext cx="9028658" cy="1888490"/>
-          </a:xfrm>
-          <a:prstGeom prst="rect">
-            <a:avLst/>
-          </a:prstGeom>
-        </p:spPr>
-        <p:txBody>
-          <a:bodyPr anchor="t" rtlCol="false" tIns="0" lIns="0" bIns="0" rIns="0">
-            <a:spAutoFit/>
-          </a:bodyPr>
-          <a:lstStyle/>
-          <a:p>
-            <a:pPr algn="ctr">
-              <a:lnSpc>
-                <a:spcPts val="14560"/>
-              </a:lnSpc>
-              <a:spcBef>
-                <a:spcPct val="0"/>
-              </a:spcBef>
-            </a:pPr>
-            <a:r>
-              <a:rPr lang="en-US" sz="10400" spc="208">
-                <a:solidFill>
-                  <a:srgbClr val="0050F5"/>
-                </a:solidFill>
-                <a:latin typeface="Telegraf Bold"/>
-              </a:rPr>
-              <a:t>Methodology</a:t>
-            </a:r>
-          </a:p>
-        </p:txBody>
-      </p:sp>
-      <p:sp>
-        <p:nvSpPr>
-          <p:cNvPr name="TextBox 8" id="8"/>
-          <p:cNvSpPr txBox="true"/>
-          <p:nvPr/>
-        </p:nvSpPr>
-        <p:spPr>
-          <a:xfrm rot="0">
-            <a:off x="4439841" y="1487034"/>
-            <a:ext cx="9408319" cy="1303020"/>
-          </a:xfrm>
-          <a:prstGeom prst="rect">
-            <a:avLst/>
-          </a:prstGeom>
-        </p:spPr>
-        <p:txBody>
-          <a:bodyPr anchor="t" rtlCol="false" tIns="0" lIns="0" bIns="0" rIns="0">
-            <a:spAutoFit/>
-          </a:bodyPr>
-          <a:lstStyle/>
-          <a:p>
-            <a:pPr algn="ctr">
-              <a:lnSpc>
-                <a:spcPts val="10080"/>
-              </a:lnSpc>
-              <a:spcBef>
-                <a:spcPct val="0"/>
-              </a:spcBef>
-            </a:pPr>
-            <a:r>
-              <a:rPr lang="en-US" sz="7200" spc="144">
-                <a:solidFill>
-                  <a:srgbClr val="0050F5"/>
-                </a:solidFill>
-                <a:latin typeface="Telegraf"/>
-              </a:rPr>
-              <a:t>Participant Summary</a:t>
-            </a:r>
-          </a:p>
-        </p:txBody>
-      </p:sp>
+      <p:grpSp>
+        <p:nvGrpSpPr>
+          <p:cNvPr id="7" name="Group 7"/>
+          <p:cNvGrpSpPr/>
+          <p:nvPr/>
+        </p:nvGrpSpPr>
+        <p:grpSpPr>
+          <a:xfrm>
+            <a:off x="2294060" y="201046"/>
+            <a:ext cx="13699880" cy="2193918"/>
+            <a:chOff x="0" y="-9525"/>
+            <a:chExt cx="18266507" cy="2925224"/>
+          </a:xfrm>
+        </p:grpSpPr>
+        <p:sp>
+          <p:nvSpPr>
+            <p:cNvPr id="8" name="TextBox 8"/>
+            <p:cNvSpPr txBox="1"/>
+            <p:nvPr/>
+          </p:nvSpPr>
+          <p:spPr>
+            <a:xfrm>
+              <a:off x="0" y="2289203"/>
+              <a:ext cx="18266507" cy="626496"/>
+            </a:xfrm>
+            <a:prstGeom prst="rect">
+              <a:avLst/>
+            </a:prstGeom>
+          </p:spPr>
+          <p:txBody>
+            <a:bodyPr lIns="0" tIns="0" rIns="0" bIns="0" rtlCol="0" anchor="t">
+              <a:spAutoFit/>
+            </a:bodyPr>
+            <a:lstStyle/>
+            <a:p>
+              <a:pPr algn="ctr">
+                <a:lnSpc>
+                  <a:spcPts val="3919"/>
+                </a:lnSpc>
+              </a:pPr>
+              <a:r>
+                <a:rPr lang="en-US" sz="2800" spc="56" dirty="0">
+                  <a:solidFill>
+                    <a:srgbClr val="0050F5"/>
+                  </a:solidFill>
+                  <a:latin typeface="Telegraf Bold"/>
+                </a:rPr>
+                <a:t>Participant Summaries</a:t>
+              </a:r>
+            </a:p>
+          </p:txBody>
+        </p:sp>
+        <p:sp>
+          <p:nvSpPr>
+            <p:cNvPr id="9" name="TextBox 9"/>
+            <p:cNvSpPr txBox="1"/>
+            <p:nvPr/>
+          </p:nvSpPr>
+          <p:spPr>
+            <a:xfrm>
+              <a:off x="0" y="-9525"/>
+              <a:ext cx="18266507" cy="1950085"/>
+            </a:xfrm>
+            <a:prstGeom prst="rect">
+              <a:avLst/>
+            </a:prstGeom>
+          </p:spPr>
+          <p:txBody>
+            <a:bodyPr lIns="0" tIns="0" rIns="0" bIns="0" rtlCol="0" anchor="t">
+              <a:spAutoFit/>
+            </a:bodyPr>
+            <a:lstStyle/>
+            <a:p>
+              <a:pPr algn="ctr">
+                <a:lnSpc>
+                  <a:spcPts val="10560"/>
+                </a:lnSpc>
+              </a:pPr>
+              <a:r>
+                <a:rPr lang="en-US" sz="9600">
+                  <a:solidFill>
+                    <a:srgbClr val="0050F5"/>
+                  </a:solidFill>
+                  <a:latin typeface="Telegraf Bold"/>
+                </a:rPr>
+                <a:t>Methodology</a:t>
+              </a:r>
+            </a:p>
+          </p:txBody>
+        </p:sp>
+      </p:grpSp>
     </p:spTree>
   </p:cSld>
   <p:clrMapOvr>
@@ -8889,13 +8982,14 @@
 </file>
 
 <file path=ppt/slides/slide7.xml><?xml version="1.0" encoding="utf-8"?>
-<p:sld xmlns:p="http://schemas.openxmlformats.org/presentationml/2006/main" xmlns:a="http://schemas.openxmlformats.org/drawingml/2006/main" xmlns:r="http://schemas.openxmlformats.org/officeDocument/2006/relationships">
+<p:sld xmlns:a="http://schemas.openxmlformats.org/drawingml/2006/main" xmlns:r="http://schemas.openxmlformats.org/officeDocument/2006/relationships" xmlns:p="http://schemas.openxmlformats.org/presentationml/2006/main">
   <p:cSld>
     <p:bg>
       <p:bgPr>
         <a:solidFill>
           <a:srgbClr val="F8B8A7"/>
         </a:solidFill>
+        <a:effectLst/>
       </p:bgPr>
     </p:bg>
     <p:spTree>
@@ -8914,14 +9008,14 @@
       </p:grpSpPr>
       <p:grpSp>
         <p:nvGrpSpPr>
-          <p:cNvPr name="Group 2" id="2"/>
+          <p:cNvPr id="2" name="Group 2"/>
           <p:cNvGrpSpPr>
-            <a:grpSpLocks noChangeAspect="true"/>
+            <a:grpSpLocks noChangeAspect="1"/>
           </p:cNvGrpSpPr>
           <p:nvPr/>
         </p:nvGrpSpPr>
         <p:grpSpPr>
-          <a:xfrm rot="0">
+          <a:xfrm>
             <a:off x="16521383" y="5045189"/>
             <a:ext cx="495300" cy="495300"/>
             <a:chOff x="0" y="0"/>
@@ -8930,7 +9024,7 @@
         </p:grpSpPr>
         <p:sp>
           <p:nvSpPr>
-            <p:cNvPr name="Freeform 3" id="3"/>
+            <p:cNvPr id="3" name="Freeform 3"/>
             <p:cNvSpPr/>
             <p:nvPr/>
           </p:nvSpPr>
@@ -8944,9 +9038,9 @@
               <a:gdLst/>
               <a:ahLst/>
               <a:cxnLst/>
-              <a:rect r="r" b="b" t="t" l="l"/>
+              <a:rect l="l" t="t" r="r" b="b"/>
               <a:pathLst>
-                <a:path h="6355080" w="6355080">
+                <a:path w="6355080" h="6355080">
                   <a:moveTo>
                     <a:pt x="3177540" y="6355080"/>
                   </a:moveTo>
@@ -9046,9 +9140,9 @@
       </p:grpSp>
       <p:pic>
         <p:nvPicPr>
-          <p:cNvPr name="Picture 4" id="4"/>
+          <p:cNvPr id="4" name="Picture 4"/>
           <p:cNvPicPr>
-            <a:picLocks noChangeAspect="true"/>
+            <a:picLocks noChangeAspect="1"/>
           </p:cNvPicPr>
           <p:nvPr/>
         </p:nvPicPr>
@@ -9056,13 +9150,13 @@
           <a:blip r:embed="rId2">
             <a:alphaModFix amt="25000"/>
           </a:blip>
-          <a:srcRect l="0" t="138" r="0" b="0"/>
+          <a:srcRect t="138"/>
           <a:stretch>
             <a:fillRect/>
           </a:stretch>
         </p:blipFill>
         <p:spPr>
-          <a:xfrm flipH="false" flipV="false" rot="3308605">
+          <a:xfrm rot="3308605">
             <a:off x="1108820" y="-15999128"/>
             <a:ext cx="19471048" cy="20101909"/>
           </a:xfrm>
@@ -9073,12 +9167,12 @@
       </p:pic>
       <p:grpSp>
         <p:nvGrpSpPr>
-          <p:cNvPr name="Group 5" id="5"/>
+          <p:cNvPr id="5" name="Group 5"/>
           <p:cNvGrpSpPr/>
           <p:nvPr/>
         </p:nvGrpSpPr>
         <p:grpSpPr>
-          <a:xfrm rot="0">
+          <a:xfrm>
             <a:off x="2294060" y="772805"/>
             <a:ext cx="13699880" cy="2212520"/>
             <a:chOff x="0" y="0"/>
@@ -9087,12 +9181,12 @@
         </p:grpSpPr>
         <p:sp>
           <p:nvSpPr>
-            <p:cNvPr name="TextBox 6" id="6"/>
-            <p:cNvSpPr txBox="true"/>
+            <p:cNvPr id="6" name="TextBox 6"/>
+            <p:cNvSpPr txBox="1"/>
             <p:nvPr/>
           </p:nvSpPr>
           <p:spPr>
-            <a:xfrm rot="0">
+            <a:xfrm>
               <a:off x="0" y="2289203"/>
               <a:ext cx="18266507" cy="660823"/>
             </a:xfrm>
@@ -9101,7 +9195,7 @@
             </a:prstGeom>
           </p:spPr>
           <p:txBody>
-            <a:bodyPr anchor="t" rtlCol="false" tIns="0" lIns="0" bIns="0" rIns="0">
+            <a:bodyPr lIns="0" tIns="0" rIns="0" bIns="0" rtlCol="0" anchor="t">
               <a:spAutoFit/>
             </a:bodyPr>
             <a:lstStyle/>
@@ -9111,17 +9205,18 @@
                   <a:spcPts val="3919"/>
                 </a:lnSpc>
               </a:pPr>
+              <a:endParaRPr/>
             </a:p>
           </p:txBody>
         </p:sp>
         <p:sp>
           <p:nvSpPr>
-            <p:cNvPr name="TextBox 7" id="7"/>
-            <p:cNvSpPr txBox="true"/>
+            <p:cNvPr id="7" name="TextBox 7"/>
+            <p:cNvSpPr txBox="1"/>
             <p:nvPr/>
           </p:nvSpPr>
           <p:spPr>
-            <a:xfrm rot="0">
+            <a:xfrm>
               <a:off x="0" y="-9525"/>
               <a:ext cx="18266507" cy="1950085"/>
             </a:xfrm>
@@ -9130,7 +9225,7 @@
             </a:prstGeom>
           </p:spPr>
           <p:txBody>
-            <a:bodyPr anchor="t" rtlCol="false" tIns="0" lIns="0" bIns="0" rIns="0">
+            <a:bodyPr lIns="0" tIns="0" rIns="0" bIns="0" rtlCol="0" anchor="t">
               <a:spAutoFit/>
             </a:bodyPr>
             <a:lstStyle/>
@@ -9155,21 +9250,21 @@
       </p:grpSp>
       <p:pic>
         <p:nvPicPr>
-          <p:cNvPr name="Picture 8" id="8"/>
+          <p:cNvPr id="8" name="Picture 8"/>
           <p:cNvPicPr>
-            <a:picLocks noChangeAspect="true"/>
+            <a:picLocks noChangeAspect="1"/>
           </p:cNvPicPr>
           <p:nvPr/>
         </p:nvPicPr>
         <p:blipFill>
           <a:blip r:embed="rId3"/>
-          <a:srcRect l="0" t="0" r="0" b="0"/>
+          <a:srcRect/>
           <a:stretch>
             <a:fillRect/>
           </a:stretch>
         </p:blipFill>
         <p:spPr>
-          <a:xfrm flipH="false" flipV="false" rot="0">
+          <a:xfrm>
             <a:off x="239218" y="3280595"/>
             <a:ext cx="17809564" cy="5053464"/>
           </a:xfrm>
@@ -9187,13 +9282,14 @@
 </file>
 
 <file path=ppt/slides/slide8.xml><?xml version="1.0" encoding="utf-8"?>
-<p:sld xmlns:p="http://schemas.openxmlformats.org/presentationml/2006/main" xmlns:a="http://schemas.openxmlformats.org/drawingml/2006/main" xmlns:r="http://schemas.openxmlformats.org/officeDocument/2006/relationships">
+<p:sld xmlns:a="http://schemas.openxmlformats.org/drawingml/2006/main" xmlns:r="http://schemas.openxmlformats.org/officeDocument/2006/relationships" xmlns:p="http://schemas.openxmlformats.org/presentationml/2006/main">
   <p:cSld>
     <p:bg>
       <p:bgPr>
         <a:solidFill>
           <a:srgbClr val="0050F5"/>
         </a:solidFill>
+        <a:effectLst/>
       </p:bgPr>
     </p:bg>
     <p:spTree>
@@ -9212,12 +9308,12 @@
       </p:grpSpPr>
       <p:grpSp>
         <p:nvGrpSpPr>
-          <p:cNvPr name="Group 2" id="2"/>
+          <p:cNvPr id="2" name="Group 2"/>
           <p:cNvGrpSpPr/>
           <p:nvPr/>
         </p:nvGrpSpPr>
         <p:grpSpPr>
-          <a:xfrm rot="0">
+          <a:xfrm>
             <a:off x="2294060" y="772805"/>
             <a:ext cx="13699880" cy="2212520"/>
             <a:chOff x="0" y="0"/>
@@ -9226,12 +9322,12 @@
         </p:grpSpPr>
         <p:sp>
           <p:nvSpPr>
-            <p:cNvPr name="TextBox 3" id="3"/>
-            <p:cNvSpPr txBox="true"/>
+            <p:cNvPr id="3" name="TextBox 3"/>
+            <p:cNvSpPr txBox="1"/>
             <p:nvPr/>
           </p:nvSpPr>
           <p:spPr>
-            <a:xfrm rot="0">
+            <a:xfrm>
               <a:off x="0" y="2289203"/>
               <a:ext cx="18266507" cy="660823"/>
             </a:xfrm>
@@ -9240,7 +9336,7 @@
             </a:prstGeom>
           </p:spPr>
           <p:txBody>
-            <a:bodyPr anchor="t" rtlCol="false" tIns="0" lIns="0" bIns="0" rIns="0">
+            <a:bodyPr lIns="0" tIns="0" rIns="0" bIns="0" rtlCol="0" anchor="t">
               <a:spAutoFit/>
             </a:bodyPr>
             <a:lstStyle/>
@@ -9250,17 +9346,18 @@
                   <a:spcPts val="3919"/>
                 </a:lnSpc>
               </a:pPr>
+              <a:endParaRPr/>
             </a:p>
           </p:txBody>
         </p:sp>
         <p:sp>
           <p:nvSpPr>
-            <p:cNvPr name="TextBox 4" id="4"/>
-            <p:cNvSpPr txBox="true"/>
+            <p:cNvPr id="4" name="TextBox 4"/>
+            <p:cNvSpPr txBox="1"/>
             <p:nvPr/>
           </p:nvSpPr>
           <p:spPr>
-            <a:xfrm rot="0">
+            <a:xfrm>
               <a:off x="0" y="-9525"/>
               <a:ext cx="18266507" cy="1950085"/>
             </a:xfrm>
@@ -9269,7 +9366,7 @@
             </a:prstGeom>
           </p:spPr>
           <p:txBody>
-            <a:bodyPr anchor="t" rtlCol="false" tIns="0" lIns="0" bIns="0" rIns="0">
+            <a:bodyPr lIns="0" tIns="0" rIns="0" bIns="0" rtlCol="0" anchor="t">
               <a:spAutoFit/>
             </a:bodyPr>
             <a:lstStyle/>
@@ -9294,21 +9391,21 @@
       </p:grpSp>
       <p:pic>
         <p:nvPicPr>
-          <p:cNvPr name="Picture 5" id="5"/>
+          <p:cNvPr id="5" name="Picture 5"/>
           <p:cNvPicPr>
-            <a:picLocks noChangeAspect="true"/>
+            <a:picLocks noChangeAspect="1"/>
           </p:cNvPicPr>
           <p:nvPr/>
         </p:nvPicPr>
         <p:blipFill>
           <a:blip r:embed="rId2"/>
-          <a:srcRect l="0" t="0" r="77820" b="0"/>
+          <a:srcRect r="77820"/>
           <a:stretch>
             <a:fillRect/>
           </a:stretch>
         </p:blipFill>
         <p:spPr>
-          <a:xfrm flipH="false" flipV="false" rot="0">
+          <a:xfrm>
             <a:off x="6598644" y="2745627"/>
             <a:ext cx="5090713" cy="6512673"/>
           </a:xfrm>
@@ -9319,9 +9416,9 @@
       </p:pic>
       <p:pic>
         <p:nvPicPr>
-          <p:cNvPr name="Picture 6" id="6"/>
+          <p:cNvPr id="6" name="Picture 6"/>
           <p:cNvPicPr>
-            <a:picLocks noChangeAspect="true"/>
+            <a:picLocks noChangeAspect="1"/>
           </p:cNvPicPr>
           <p:nvPr/>
         </p:nvPicPr>
@@ -9329,13 +9426,13 @@
           <a:blip r:embed="rId3">
             <a:alphaModFix amt="9999"/>
           </a:blip>
-          <a:srcRect l="0" t="0" r="35292" b="0"/>
+          <a:srcRect r="35292"/>
           <a:stretch>
             <a:fillRect/>
           </a:stretch>
         </p:blipFill>
         <p:spPr>
-          <a:xfrm flipH="false" flipV="false" rot="5658904">
+          <a:xfrm rot="5658904">
             <a:off x="2313197" y="-1794676"/>
             <a:ext cx="12648684" cy="20208858"/>
           </a:xfrm>
@@ -9353,13 +9450,14 @@
 </file>
 
 <file path=ppt/slides/slide9.xml><?xml version="1.0" encoding="utf-8"?>
-<p:sld xmlns:p="http://schemas.openxmlformats.org/presentationml/2006/main" xmlns:a="http://schemas.openxmlformats.org/drawingml/2006/main" xmlns:r="http://schemas.openxmlformats.org/officeDocument/2006/relationships">
+<p:sld xmlns:a="http://schemas.openxmlformats.org/drawingml/2006/main" xmlns:r="http://schemas.openxmlformats.org/officeDocument/2006/relationships" xmlns:p="http://schemas.openxmlformats.org/presentationml/2006/main">
   <p:cSld>
     <p:bg>
       <p:bgPr>
         <a:solidFill>
           <a:srgbClr val="F4592F"/>
         </a:solidFill>
+        <a:effectLst/>
       </p:bgPr>
     </p:bg>
     <p:spTree>
@@ -9378,12 +9476,12 @@
       </p:grpSpPr>
       <p:grpSp>
         <p:nvGrpSpPr>
-          <p:cNvPr name="Group 2" id="2"/>
+          <p:cNvPr id="2" name="Group 2"/>
           <p:cNvGrpSpPr/>
           <p:nvPr/>
         </p:nvGrpSpPr>
         <p:grpSpPr>
-          <a:xfrm rot="0">
+          <a:xfrm>
             <a:off x="2294060" y="772805"/>
             <a:ext cx="13699880" cy="2212520"/>
             <a:chOff x="0" y="0"/>
@@ -9392,12 +9490,12 @@
         </p:grpSpPr>
         <p:sp>
           <p:nvSpPr>
-            <p:cNvPr name="TextBox 3" id="3"/>
-            <p:cNvSpPr txBox="true"/>
+            <p:cNvPr id="3" name="TextBox 3"/>
+            <p:cNvSpPr txBox="1"/>
             <p:nvPr/>
           </p:nvSpPr>
           <p:spPr>
-            <a:xfrm rot="0">
+            <a:xfrm>
               <a:off x="0" y="2289203"/>
               <a:ext cx="18266507" cy="660823"/>
             </a:xfrm>
@@ -9406,7 +9504,7 @@
             </a:prstGeom>
           </p:spPr>
           <p:txBody>
-            <a:bodyPr anchor="t" rtlCol="false" tIns="0" lIns="0" bIns="0" rIns="0">
+            <a:bodyPr lIns="0" tIns="0" rIns="0" bIns="0" rtlCol="0" anchor="t">
               <a:spAutoFit/>
             </a:bodyPr>
             <a:lstStyle/>
@@ -9416,17 +9514,18 @@
                   <a:spcPts val="3919"/>
                 </a:lnSpc>
               </a:pPr>
+              <a:endParaRPr/>
             </a:p>
           </p:txBody>
         </p:sp>
         <p:sp>
           <p:nvSpPr>
-            <p:cNvPr name="TextBox 4" id="4"/>
-            <p:cNvSpPr txBox="true"/>
+            <p:cNvPr id="4" name="TextBox 4"/>
+            <p:cNvSpPr txBox="1"/>
             <p:nvPr/>
           </p:nvSpPr>
           <p:spPr>
-            <a:xfrm rot="0">
+            <a:xfrm>
               <a:off x="0" y="-9525"/>
               <a:ext cx="18266507" cy="1950085"/>
             </a:xfrm>
@@ -9435,7 +9534,7 @@
             </a:prstGeom>
           </p:spPr>
           <p:txBody>
-            <a:bodyPr anchor="t" rtlCol="false" tIns="0" lIns="0" bIns="0" rIns="0">
+            <a:bodyPr lIns="0" tIns="0" rIns="0" bIns="0" rtlCol="0" anchor="t">
               <a:spAutoFit/>
             </a:bodyPr>
             <a:lstStyle/>
@@ -9460,21 +9559,21 @@
       </p:grpSp>
       <p:pic>
         <p:nvPicPr>
-          <p:cNvPr name="Picture 5" id="5"/>
+          <p:cNvPr id="5" name="Picture 5"/>
           <p:cNvPicPr>
-            <a:picLocks noChangeAspect="true"/>
+            <a:picLocks noChangeAspect="1"/>
           </p:cNvPicPr>
           <p:nvPr/>
         </p:nvPicPr>
         <p:blipFill>
           <a:blip r:embed="rId2"/>
-          <a:srcRect l="39225" t="0" r="38595" b="0"/>
+          <a:srcRect l="39225" r="38595"/>
           <a:stretch>
             <a:fillRect/>
           </a:stretch>
         </p:blipFill>
         <p:spPr>
-          <a:xfrm flipH="false" flipV="false" rot="0">
+          <a:xfrm>
             <a:off x="6598644" y="2745627"/>
             <a:ext cx="5090713" cy="6512673"/>
           </a:xfrm>
@@ -9485,21 +9584,21 @@
       </p:pic>
       <p:pic>
         <p:nvPicPr>
-          <p:cNvPr name="Picture 6" id="6"/>
+          <p:cNvPr id="6" name="Picture 6"/>
           <p:cNvPicPr>
-            <a:picLocks noChangeAspect="true"/>
+            <a:picLocks noChangeAspect="1"/>
           </p:cNvPicPr>
           <p:nvPr/>
         </p:nvPicPr>
         <p:blipFill>
           <a:blip r:embed="rId3"/>
-          <a:srcRect l="0" t="0" r="0" b="0"/>
+          <a:srcRect/>
           <a:stretch>
             <a:fillRect/>
           </a:stretch>
         </p:blipFill>
         <p:spPr>
-          <a:xfrm flipH="false" flipV="false" rot="1694643">
+          <a:xfrm rot="1694643">
             <a:off x="-684302" y="1584356"/>
             <a:ext cx="2139195" cy="1069598"/>
           </a:xfrm>
@@ -9510,21 +9609,21 @@
       </p:pic>
       <p:pic>
         <p:nvPicPr>
-          <p:cNvPr name="Picture 7" id="7"/>
+          <p:cNvPr id="7" name="Picture 7"/>
           <p:cNvPicPr>
-            <a:picLocks noChangeAspect="true"/>
+            <a:picLocks noChangeAspect="1"/>
           </p:cNvPicPr>
           <p:nvPr/>
         </p:nvPicPr>
         <p:blipFill>
           <a:blip r:embed="rId3"/>
-          <a:srcRect l="0" t="0" r="0" b="0"/>
+          <a:srcRect/>
           <a:stretch>
             <a:fillRect/>
           </a:stretch>
         </p:blipFill>
         <p:spPr>
-          <a:xfrm flipH="false" flipV="false" rot="8424938">
+          <a:xfrm rot="8424938">
             <a:off x="17542351" y="7140323"/>
             <a:ext cx="3486597" cy="1743299"/>
           </a:xfrm>
@@ -9535,9 +9634,9 @@
       </p:pic>
       <p:pic>
         <p:nvPicPr>
-          <p:cNvPr name="Picture 8" id="8"/>
+          <p:cNvPr id="8" name="Picture 8"/>
           <p:cNvPicPr>
-            <a:picLocks noChangeAspect="true"/>
+            <a:picLocks noChangeAspect="1"/>
           </p:cNvPicPr>
           <p:nvPr/>
         </p:nvPicPr>
@@ -9545,13 +9644,13 @@
           <a:blip r:embed="rId4">
             <a:alphaModFix amt="9999"/>
           </a:blip>
-          <a:srcRect l="0" t="138" r="0" b="0"/>
+          <a:srcRect t="138"/>
           <a:stretch>
             <a:fillRect/>
           </a:stretch>
         </p:blipFill>
         <p:spPr>
-          <a:xfrm flipH="false" flipV="false" rot="3308605">
+          <a:xfrm rot="3308605">
             <a:off x="-2895584" y="-8698169"/>
             <a:ext cx="19471048" cy="20101909"/>
           </a:xfrm>
@@ -9562,14 +9661,14 @@
       </p:pic>
       <p:grpSp>
         <p:nvGrpSpPr>
-          <p:cNvPr name="Group 9" id="9"/>
+          <p:cNvPr id="9" name="Group 9"/>
           <p:cNvGrpSpPr>
-            <a:grpSpLocks noChangeAspect="true"/>
+            <a:grpSpLocks noChangeAspect="1"/>
           </p:cNvGrpSpPr>
           <p:nvPr/>
         </p:nvGrpSpPr>
         <p:grpSpPr>
-          <a:xfrm rot="0">
+          <a:xfrm>
             <a:off x="1981191" y="8475727"/>
             <a:ext cx="782573" cy="782573"/>
             <a:chOff x="0" y="0"/>
@@ -9578,7 +9677,7 @@
         </p:grpSpPr>
         <p:sp>
           <p:nvSpPr>
-            <p:cNvPr name="Freeform 10" id="10"/>
+            <p:cNvPr id="10" name="Freeform 10"/>
             <p:cNvSpPr/>
             <p:nvPr/>
           </p:nvSpPr>
@@ -9592,9 +9691,9 @@
               <a:gdLst/>
               <a:ahLst/>
               <a:cxnLst/>
-              <a:rect r="r" b="b" t="t" l="l"/>
+              <a:rect l="l" t="t" r="r" b="b"/>
               <a:pathLst>
-                <a:path h="6355080" w="6355080">
+                <a:path w="6355080" h="6355080">
                   <a:moveTo>
                     <a:pt x="3177540" y="6355080"/>
                   </a:moveTo>
